--- a/Documents/Trivial_Angular.pptx
+++ b/Documents/Trivial_Angular.pptx
@@ -12,12 +12,21 @@
     <p:sldId id="260" r:id="rId6"/>
     <p:sldId id="263" r:id="rId7"/>
     <p:sldId id="261" r:id="rId8"/>
-    <p:sldId id="264" r:id="rId9"/>
-    <p:sldId id="265" r:id="rId10"/>
-    <p:sldId id="266" r:id="rId11"/>
-    <p:sldId id="267" r:id="rId12"/>
-    <p:sldId id="268" r:id="rId13"/>
-    <p:sldId id="269" r:id="rId14"/>
+    <p:sldId id="270" r:id="rId9"/>
+    <p:sldId id="271" r:id="rId10"/>
+    <p:sldId id="272" r:id="rId11"/>
+    <p:sldId id="273" r:id="rId12"/>
+    <p:sldId id="274" r:id="rId13"/>
+    <p:sldId id="275" r:id="rId14"/>
+    <p:sldId id="276" r:id="rId15"/>
+    <p:sldId id="264" r:id="rId16"/>
+    <p:sldId id="265" r:id="rId17"/>
+    <p:sldId id="277" r:id="rId18"/>
+    <p:sldId id="278" r:id="rId19"/>
+    <p:sldId id="267" r:id="rId20"/>
+    <p:sldId id="269" r:id="rId21"/>
+    <p:sldId id="279" r:id="rId22"/>
+    <p:sldId id="280" r:id="rId23"/>
   </p:sldIdLst>
   <p:sldSz cx="12192000" cy="6858000"/>
   <p:notesSz cx="6858000" cy="9144000"/>
@@ -116,6 +125,11 @@
       </a:defRPr>
     </a:lvl9pPr>
   </p:defaultTextStyle>
+  <p:extLst>
+    <p:ext uri="{EFAFB233-063F-42B5-8137-9DF3F51BA10A}">
+      <p15:sldGuideLst xmlns:p15="http://schemas.microsoft.com/office/powerpoint/2012/main"/>
+    </p:ext>
+  </p:extLst>
 </p:presentation>
 </file>
 
@@ -271,7 +285,7 @@
           <a:p>
             <a:fld id="{8872061F-2D2D-4C9B-BE4B-97F1BF8D82AB}" type="datetimeFigureOut">
               <a:rPr lang="es-ES" smtClean="0"/>
-              <a:t>06.mar.2018</a:t>
+              <a:t>12.mar.2018</a:t>
             </a:fld>
             <a:endParaRPr lang="es-ES"/>
           </a:p>
@@ -524,7 +538,7 @@
           <a:p>
             <a:fld id="{8872061F-2D2D-4C9B-BE4B-97F1BF8D82AB}" type="datetimeFigureOut">
               <a:rPr lang="es-ES" smtClean="0"/>
-              <a:t>06.mar.2018</a:t>
+              <a:t>12.mar.2018</a:t>
             </a:fld>
             <a:endParaRPr lang="es-ES"/>
           </a:p>
@@ -704,7 +718,7 @@
           <a:p>
             <a:fld id="{8872061F-2D2D-4C9B-BE4B-97F1BF8D82AB}" type="datetimeFigureOut">
               <a:rPr lang="es-ES" smtClean="0"/>
-              <a:t>06.mar.2018</a:t>
+              <a:t>12.mar.2018</a:t>
             </a:fld>
             <a:endParaRPr lang="es-ES"/>
           </a:p>
@@ -909,7 +923,7 @@
           <a:p>
             <a:fld id="{8872061F-2D2D-4C9B-BE4B-97F1BF8D82AB}" type="datetimeFigureOut">
               <a:rPr lang="es-ES" smtClean="0"/>
-              <a:t>06.mar.2018</a:t>
+              <a:t>12.mar.2018</a:t>
             </a:fld>
             <a:endParaRPr lang="es-ES"/>
           </a:p>
@@ -1166,7 +1180,7 @@
           <a:p>
             <a:fld id="{8872061F-2D2D-4C9B-BE4B-97F1BF8D82AB}" type="datetimeFigureOut">
               <a:rPr lang="es-ES" smtClean="0"/>
-              <a:t>06.mar.2018</a:t>
+              <a:t>12.mar.2018</a:t>
             </a:fld>
             <a:endParaRPr lang="es-ES"/>
           </a:p>
@@ -1486,7 +1500,7 @@
           <a:p>
             <a:fld id="{8872061F-2D2D-4C9B-BE4B-97F1BF8D82AB}" type="datetimeFigureOut">
               <a:rPr lang="es-ES" smtClean="0"/>
-              <a:t>06.mar.2018</a:t>
+              <a:t>12.mar.2018</a:t>
             </a:fld>
             <a:endParaRPr lang="es-ES"/>
           </a:p>
@@ -1884,7 +1898,7 @@
           <a:p>
             <a:fld id="{8872061F-2D2D-4C9B-BE4B-97F1BF8D82AB}" type="datetimeFigureOut">
               <a:rPr lang="es-ES" smtClean="0"/>
-              <a:t>06.mar.2018</a:t>
+              <a:t>12.mar.2018</a:t>
             </a:fld>
             <a:endParaRPr lang="es-ES"/>
           </a:p>
@@ -2002,7 +2016,7 @@
           <a:p>
             <a:fld id="{8872061F-2D2D-4C9B-BE4B-97F1BF8D82AB}" type="datetimeFigureOut">
               <a:rPr lang="es-ES" smtClean="0"/>
-              <a:t>06.mar.2018</a:t>
+              <a:t>12.mar.2018</a:t>
             </a:fld>
             <a:endParaRPr lang="es-ES"/>
           </a:p>
@@ -2097,7 +2111,7 @@
           <a:p>
             <a:fld id="{8872061F-2D2D-4C9B-BE4B-97F1BF8D82AB}" type="datetimeFigureOut">
               <a:rPr lang="es-ES" smtClean="0"/>
-              <a:t>06.mar.2018</a:t>
+              <a:t>12.mar.2018</a:t>
             </a:fld>
             <a:endParaRPr lang="es-ES"/>
           </a:p>
@@ -2387,7 +2401,7 @@
           <a:p>
             <a:fld id="{8872061F-2D2D-4C9B-BE4B-97F1BF8D82AB}" type="datetimeFigureOut">
               <a:rPr lang="es-ES" smtClean="0"/>
-              <a:t>06.mar.2018</a:t>
+              <a:t>12.mar.2018</a:t>
             </a:fld>
             <a:endParaRPr lang="es-ES"/>
           </a:p>
@@ -2667,7 +2681,7 @@
           <a:p>
             <a:fld id="{8872061F-2D2D-4C9B-BE4B-97F1BF8D82AB}" type="datetimeFigureOut">
               <a:rPr lang="es-ES" smtClean="0"/>
-              <a:t>06.mar.2018</a:t>
+              <a:t>12.mar.2018</a:t>
             </a:fld>
             <a:endParaRPr lang="es-ES"/>
           </a:p>
@@ -2920,7 +2934,7 @@
           <a:p>
             <a:fld id="{8872061F-2D2D-4C9B-BE4B-97F1BF8D82AB}" type="datetimeFigureOut">
               <a:rPr lang="es-ES" smtClean="0"/>
-              <a:t>06.mar.2018</a:t>
+              <a:t>12.mar.2018</a:t>
             </a:fld>
             <a:endParaRPr lang="es-ES"/>
           </a:p>
@@ -3457,17 +3471,7 @@
                   </a:schemeClr>
                 </a:solidFill>
               </a:rPr>
-              <a:t>COMO HICE STEMTRIVIAL CON </a:t>
-            </a:r>
-            <a:r>
-              <a:rPr lang="es-ES" sz="4400" b="1" dirty="0" smtClean="0">
-                <a:solidFill>
-                  <a:schemeClr val="accent1">
-                    <a:lumMod val="75000"/>
-                  </a:schemeClr>
-                </a:solidFill>
-              </a:rPr>
-              <a:t>ANGULAR CLI</a:t>
+              <a:t>COMO HICE STEMTRIVIAL CON ANGULAR CLI</a:t>
             </a:r>
             <a:endParaRPr lang="es-ES" sz="4400" b="1" dirty="0">
               <a:solidFill>
@@ -3585,10 +3589,157 @@
           <a:chExt cx="0" cy="0"/>
         </a:xfrm>
       </p:grpSpPr>
+      <p:sp>
+        <p:nvSpPr>
+          <p:cNvPr id="3" name="Cloud 2"/>
+          <p:cNvSpPr/>
+          <p:nvPr/>
+        </p:nvSpPr>
+        <p:spPr>
+          <a:xfrm>
+            <a:off x="389357" y="485463"/>
+            <a:ext cx="2398143" cy="1576251"/>
+          </a:xfrm>
+          <a:prstGeom prst="cloud">
+            <a:avLst/>
+          </a:prstGeom>
+        </p:spPr>
+        <p:style>
+          <a:lnRef idx="2">
+            <a:schemeClr val="accent1">
+              <a:shade val="50000"/>
+            </a:schemeClr>
+          </a:lnRef>
+          <a:fillRef idx="1">
+            <a:schemeClr val="accent1"/>
+          </a:fillRef>
+          <a:effectRef idx="0">
+            <a:schemeClr val="accent1"/>
+          </a:effectRef>
+          <a:fontRef idx="minor">
+            <a:schemeClr val="lt1"/>
+          </a:fontRef>
+        </p:style>
+        <p:txBody>
+          <a:bodyPr rtlCol="0" anchor="ctr"/>
+          <a:lstStyle/>
+          <a:p>
+            <a:pPr algn="ctr"/>
+            <a:endParaRPr lang="es-ES"/>
+          </a:p>
+        </p:txBody>
+      </p:sp>
+      <p:sp>
+        <p:nvSpPr>
+          <p:cNvPr id="2" name="TextBox 1"/>
+          <p:cNvSpPr txBox="1"/>
+          <p:nvPr/>
+        </p:nvSpPr>
+        <p:spPr>
+          <a:xfrm>
+            <a:off x="524143" y="1017917"/>
+            <a:ext cx="1960264" cy="369332"/>
+          </a:xfrm>
+          <a:prstGeom prst="rect">
+            <a:avLst/>
+          </a:prstGeom>
+          <a:noFill/>
+        </p:spPr>
+        <p:txBody>
+          <a:bodyPr wrap="square" rtlCol="0">
+            <a:spAutoFit/>
+          </a:bodyPr>
+          <a:lstStyle/>
+          <a:p>
+            <a:pPr algn="ctr"/>
+            <a:r>
+              <a:rPr lang="es-ES" b="1" dirty="0" smtClean="0"/>
+              <a:t>Lógica – </a:t>
+            </a:r>
+            <a:r>
+              <a:rPr lang="es-ES" b="1" dirty="0" err="1" smtClean="0"/>
+              <a:t>Models</a:t>
+            </a:r>
+            <a:endParaRPr lang="es-ES" b="1" dirty="0"/>
+          </a:p>
+        </p:txBody>
+      </p:sp>
+      <p:pic>
+        <p:nvPicPr>
+          <p:cNvPr id="4" name="Picture 3"/>
+          <p:cNvPicPr>
+            <a:picLocks noChangeAspect="1"/>
+          </p:cNvPicPr>
+          <p:nvPr/>
+        </p:nvPicPr>
+        <p:blipFill>
+          <a:blip r:embed="rId2"/>
+          <a:stretch>
+            <a:fillRect/>
+          </a:stretch>
+        </p:blipFill>
+        <p:spPr>
+          <a:xfrm>
+            <a:off x="303363" y="3358015"/>
+            <a:ext cx="2899765" cy="2627912"/>
+          </a:xfrm>
+          <a:prstGeom prst="rect">
+            <a:avLst/>
+          </a:prstGeom>
+        </p:spPr>
+      </p:pic>
+      <p:pic>
+        <p:nvPicPr>
+          <p:cNvPr id="5" name="Picture 4"/>
+          <p:cNvPicPr>
+            <a:picLocks noChangeAspect="1"/>
+          </p:cNvPicPr>
+          <p:nvPr/>
+        </p:nvPicPr>
+        <p:blipFill>
+          <a:blip r:embed="rId3"/>
+          <a:stretch>
+            <a:fillRect/>
+          </a:stretch>
+        </p:blipFill>
+        <p:spPr>
+          <a:xfrm>
+            <a:off x="3786997" y="18850"/>
+            <a:ext cx="5279365" cy="2367465"/>
+          </a:xfrm>
+          <a:prstGeom prst="rect">
+            <a:avLst/>
+          </a:prstGeom>
+        </p:spPr>
+      </p:pic>
+      <p:pic>
+        <p:nvPicPr>
+          <p:cNvPr id="7" name="Picture 6"/>
+          <p:cNvPicPr>
+            <a:picLocks noChangeAspect="1"/>
+          </p:cNvPicPr>
+          <p:nvPr/>
+        </p:nvPicPr>
+        <p:blipFill>
+          <a:blip r:embed="rId4"/>
+          <a:stretch>
+            <a:fillRect/>
+          </a:stretch>
+        </p:blipFill>
+        <p:spPr>
+          <a:xfrm>
+            <a:off x="3848294" y="3001992"/>
+            <a:ext cx="8150780" cy="3468130"/>
+          </a:xfrm>
+          <a:prstGeom prst="rect">
+            <a:avLst/>
+          </a:prstGeom>
+        </p:spPr>
+      </p:pic>
     </p:spTree>
     <p:extLst>
       <p:ext uri="{BB962C8B-B14F-4D97-AF65-F5344CB8AC3E}">
-        <p14:creationId xmlns:p14="http://schemas.microsoft.com/office/powerpoint/2010/main" val="2421646098"/>
+        <p14:creationId xmlns:p14="http://schemas.microsoft.com/office/powerpoint/2010/main" val="346663289"/>
       </p:ext>
     </p:extLst>
   </p:cSld>
@@ -3615,43 +3766,323 @@
           <a:chExt cx="0" cy="0"/>
         </a:xfrm>
       </p:grpSpPr>
-      <p:sp>
-        <p:nvSpPr>
-          <p:cNvPr id="3" name="Text Placeholder 2"/>
-          <p:cNvSpPr>
-            <a:spLocks noGrp="1"/>
-          </p:cNvSpPr>
-          <p:nvPr>
-            <p:ph type="body" idx="1"/>
-          </p:nvPr>
-        </p:nvSpPr>
-        <p:spPr/>
-        <p:txBody>
-          <a:bodyPr/>
+      <p:grpSp>
+        <p:nvGrpSpPr>
+          <p:cNvPr id="11" name="Group 10"/>
+          <p:cNvGrpSpPr/>
+          <p:nvPr/>
+        </p:nvGrpSpPr>
+        <p:grpSpPr>
+          <a:xfrm>
+            <a:off x="389357" y="485463"/>
+            <a:ext cx="2398143" cy="1576251"/>
+            <a:chOff x="389357" y="485463"/>
+            <a:chExt cx="2398143" cy="1576251"/>
+          </a:xfrm>
+        </p:grpSpPr>
+        <p:sp>
+          <p:nvSpPr>
+            <p:cNvPr id="2" name="Cloud 1"/>
+            <p:cNvSpPr/>
+            <p:nvPr/>
+          </p:nvSpPr>
+          <p:spPr>
+            <a:xfrm>
+              <a:off x="389357" y="485463"/>
+              <a:ext cx="2398143" cy="1576251"/>
+            </a:xfrm>
+            <a:prstGeom prst="cloud">
+              <a:avLst/>
+            </a:prstGeom>
+          </p:spPr>
+          <p:style>
+            <a:lnRef idx="2">
+              <a:schemeClr val="accent1">
+                <a:shade val="50000"/>
+              </a:schemeClr>
+            </a:lnRef>
+            <a:fillRef idx="1">
+              <a:schemeClr val="accent1"/>
+            </a:fillRef>
+            <a:effectRef idx="0">
+              <a:schemeClr val="accent1"/>
+            </a:effectRef>
+            <a:fontRef idx="minor">
+              <a:schemeClr val="lt1"/>
+            </a:fontRef>
+          </p:style>
+          <p:txBody>
+            <a:bodyPr rtlCol="0" anchor="ctr"/>
+            <a:lstStyle/>
+            <a:p>
+              <a:pPr algn="ctr"/>
+              <a:endParaRPr lang="es-ES"/>
+            </a:p>
+          </p:txBody>
+        </p:sp>
+        <p:sp>
+          <p:nvSpPr>
+            <p:cNvPr id="3" name="TextBox 2"/>
+            <p:cNvSpPr txBox="1"/>
+            <p:nvPr/>
+          </p:nvSpPr>
+          <p:spPr>
+            <a:xfrm>
+              <a:off x="524143" y="1017917"/>
+              <a:ext cx="1960264" cy="369332"/>
+            </a:xfrm>
+            <a:prstGeom prst="rect">
+              <a:avLst/>
+            </a:prstGeom>
+            <a:noFill/>
+          </p:spPr>
+          <p:txBody>
+            <a:bodyPr wrap="square" rtlCol="0">
+              <a:spAutoFit/>
+            </a:bodyPr>
+            <a:lstStyle/>
+            <a:p>
+              <a:pPr algn="ctr"/>
+              <a:r>
+                <a:rPr lang="es-ES" b="1" dirty="0" smtClean="0"/>
+                <a:t>Lógica – </a:t>
+              </a:r>
+              <a:r>
+                <a:rPr lang="es-ES" b="1" dirty="0" err="1" smtClean="0"/>
+                <a:t>Service</a:t>
+              </a:r>
+              <a:endParaRPr lang="es-ES" b="1" dirty="0"/>
+            </a:p>
+          </p:txBody>
+        </p:sp>
+      </p:grpSp>
+      <p:pic>
+        <p:nvPicPr>
+          <p:cNvPr id="4" name="Picture 3"/>
+          <p:cNvPicPr>
+            <a:picLocks noChangeAspect="1"/>
+          </p:cNvPicPr>
+          <p:nvPr/>
+        </p:nvPicPr>
+        <p:blipFill>
+          <a:blip r:embed="rId2"/>
+          <a:stretch>
+            <a:fillRect/>
+          </a:stretch>
+        </p:blipFill>
+        <p:spPr>
+          <a:xfrm>
+            <a:off x="389357" y="3114136"/>
+            <a:ext cx="3013327" cy="3174880"/>
+          </a:xfrm>
+          <a:prstGeom prst="rect">
+            <a:avLst/>
+          </a:prstGeom>
+        </p:spPr>
+      </p:pic>
+      <p:pic>
+        <p:nvPicPr>
+          <p:cNvPr id="5" name="Picture 4"/>
+          <p:cNvPicPr>
+            <a:picLocks noChangeAspect="1"/>
+          </p:cNvPicPr>
+          <p:nvPr/>
+        </p:nvPicPr>
+        <p:blipFill>
+          <a:blip r:embed="rId3"/>
+          <a:stretch>
+            <a:fillRect/>
+          </a:stretch>
+        </p:blipFill>
+        <p:spPr>
+          <a:xfrm>
+            <a:off x="3952695" y="228449"/>
+            <a:ext cx="4458059" cy="1158800"/>
+          </a:xfrm>
+          <a:prstGeom prst="rect">
+            <a:avLst/>
+          </a:prstGeom>
+        </p:spPr>
+      </p:pic>
+      <p:pic>
+        <p:nvPicPr>
+          <p:cNvPr id="6" name="Picture 5"/>
+          <p:cNvPicPr>
+            <a:picLocks noChangeAspect="1"/>
+          </p:cNvPicPr>
+          <p:nvPr/>
+        </p:nvPicPr>
+        <p:blipFill>
+          <a:blip r:embed="rId4"/>
+          <a:stretch>
+            <a:fillRect/>
+          </a:stretch>
+        </p:blipFill>
+        <p:spPr>
+          <a:xfrm>
+            <a:off x="3952695" y="1733909"/>
+            <a:ext cx="5846913" cy="4071411"/>
+          </a:xfrm>
+          <a:prstGeom prst="rect">
+            <a:avLst/>
+          </a:prstGeom>
+        </p:spPr>
+      </p:pic>
+      <p:sp>
+        <p:nvSpPr>
+          <p:cNvPr id="7" name="TextBox 6"/>
+          <p:cNvSpPr txBox="1"/>
+          <p:nvPr/>
+        </p:nvSpPr>
+        <p:spPr>
+          <a:xfrm>
+            <a:off x="8600537" y="485463"/>
+            <a:ext cx="3036497" cy="369332"/>
+          </a:xfrm>
+          <a:prstGeom prst="rect">
+            <a:avLst/>
+          </a:prstGeom>
+          <a:solidFill>
+            <a:schemeClr val="accent1"/>
+          </a:solidFill>
+        </p:spPr>
+        <p:txBody>
+          <a:bodyPr wrap="square" rtlCol="0">
+            <a:spAutoFit/>
+          </a:bodyPr>
           <a:lstStyle/>
           <a:p>
+            <a:r>
+              <a:rPr lang="es-ES" dirty="0" smtClean="0"/>
+              <a:t>Tenemos los </a:t>
+            </a:r>
+            <a:r>
+              <a:rPr lang="es-ES" dirty="0" err="1" smtClean="0"/>
+              <a:t>imports</a:t>
+            </a:r>
+            <a:r>
+              <a:rPr lang="es-ES" dirty="0" smtClean="0"/>
+              <a:t> necesarios </a:t>
+            </a:r>
             <a:endParaRPr lang="es-ES" dirty="0"/>
           </a:p>
         </p:txBody>
       </p:sp>
       <p:sp>
         <p:nvSpPr>
-          <p:cNvPr id="4" name="Title 1"/>
-          <p:cNvSpPr>
-            <a:spLocks noGrp="1"/>
-          </p:cNvSpPr>
-          <p:nvPr>
-            <p:ph type="title"/>
-          </p:nvPr>
-        </p:nvSpPr>
-        <p:spPr/>
-        <p:txBody>
-          <a:bodyPr/>
+          <p:cNvPr id="8" name="TextBox 7"/>
+          <p:cNvSpPr txBox="1"/>
+          <p:nvPr/>
+        </p:nvSpPr>
+        <p:spPr>
+          <a:xfrm>
+            <a:off x="5564040" y="1549243"/>
+            <a:ext cx="3036497" cy="369332"/>
+          </a:xfrm>
+          <a:prstGeom prst="rect">
+            <a:avLst/>
+          </a:prstGeom>
+          <a:solidFill>
+            <a:schemeClr val="accent1"/>
+          </a:solidFill>
+        </p:spPr>
+        <p:txBody>
+          <a:bodyPr wrap="square" rtlCol="0">
+            <a:spAutoFit/>
+          </a:bodyPr>
           <a:lstStyle/>
           <a:p>
             <a:r>
-              <a:rPr lang="es-ES" smtClean="0"/>
-              <a:t>Pantalla resultado</a:t>
+              <a:rPr lang="es-ES" dirty="0" smtClean="0"/>
+              <a:t>Añadimos el @</a:t>
+            </a:r>
+            <a:r>
+              <a:rPr lang="es-ES" dirty="0" err="1" smtClean="0"/>
+              <a:t>Injectable</a:t>
+            </a:r>
+            <a:endParaRPr lang="es-ES" dirty="0"/>
+          </a:p>
+        </p:txBody>
+      </p:sp>
+      <p:sp>
+        <p:nvSpPr>
+          <p:cNvPr id="9" name="TextBox 8"/>
+          <p:cNvSpPr txBox="1"/>
+          <p:nvPr/>
+        </p:nvSpPr>
+        <p:spPr>
+          <a:xfrm>
+            <a:off x="9867482" y="2768588"/>
+            <a:ext cx="2252631" cy="1200329"/>
+          </a:xfrm>
+          <a:prstGeom prst="rect">
+            <a:avLst/>
+          </a:prstGeom>
+          <a:solidFill>
+            <a:schemeClr val="accent1"/>
+          </a:solidFill>
+        </p:spPr>
+        <p:txBody>
+          <a:bodyPr wrap="square" rtlCol="0">
+            <a:spAutoFit/>
+          </a:bodyPr>
+          <a:lstStyle/>
+          <a:p>
+            <a:r>
+              <a:rPr lang="es-ES" dirty="0" smtClean="0"/>
+              <a:t>Para leer las preguntas de un </a:t>
+            </a:r>
+            <a:r>
+              <a:rPr lang="es-ES" dirty="0" err="1" smtClean="0"/>
+              <a:t>json</a:t>
+            </a:r>
+            <a:r>
+              <a:rPr lang="es-ES" dirty="0" smtClean="0"/>
+              <a:t> se usa un </a:t>
+            </a:r>
+            <a:r>
+              <a:rPr lang="es-ES" dirty="0" err="1" smtClean="0"/>
+              <a:t>http.get</a:t>
+            </a:r>
+            <a:r>
+              <a:rPr lang="es-ES" dirty="0" smtClean="0"/>
+              <a:t>(ruta local) y un </a:t>
+            </a:r>
+            <a:r>
+              <a:rPr lang="es-ES" dirty="0" err="1" smtClean="0"/>
+              <a:t>map</a:t>
+            </a:r>
+            <a:endParaRPr lang="es-ES" dirty="0"/>
+          </a:p>
+        </p:txBody>
+      </p:sp>
+      <p:sp>
+        <p:nvSpPr>
+          <p:cNvPr id="10" name="TextBox 9"/>
+          <p:cNvSpPr txBox="1"/>
+          <p:nvPr/>
+        </p:nvSpPr>
+        <p:spPr>
+          <a:xfrm>
+            <a:off x="7809783" y="4488742"/>
+            <a:ext cx="1989825" cy="923330"/>
+          </a:xfrm>
+          <a:prstGeom prst="rect">
+            <a:avLst/>
+          </a:prstGeom>
+          <a:solidFill>
+            <a:schemeClr val="accent1"/>
+          </a:solidFill>
+        </p:spPr>
+        <p:txBody>
+          <a:bodyPr wrap="square" rtlCol="0">
+            <a:spAutoFit/>
+          </a:bodyPr>
+          <a:lstStyle/>
+          <a:p>
+            <a:r>
+              <a:rPr lang="es-ES" dirty="0" smtClean="0"/>
+              <a:t>Se mapean las distintas propiedades</a:t>
             </a:r>
             <a:endParaRPr lang="es-ES" dirty="0"/>
           </a:p>
@@ -3660,7 +4091,7 @@
     </p:spTree>
     <p:extLst>
       <p:ext uri="{BB962C8B-B14F-4D97-AF65-F5344CB8AC3E}">
-        <p14:creationId xmlns:p14="http://schemas.microsoft.com/office/powerpoint/2010/main" val="3911363519"/>
+        <p14:creationId xmlns:p14="http://schemas.microsoft.com/office/powerpoint/2010/main" val="857680907"/>
       </p:ext>
     </p:extLst>
   </p:cSld>
@@ -3687,60 +4118,188 @@
           <a:chExt cx="0" cy="0"/>
         </a:xfrm>
       </p:grpSpPr>
-      <p:sp>
-        <p:nvSpPr>
-          <p:cNvPr id="2" name="Title 1"/>
-          <p:cNvSpPr>
-            <a:spLocks noGrp="1"/>
-          </p:cNvSpPr>
-          <p:nvPr>
-            <p:ph type="title"/>
-          </p:nvPr>
-        </p:nvSpPr>
-        <p:spPr/>
-        <p:txBody>
-          <a:bodyPr/>
+      <p:grpSp>
+        <p:nvGrpSpPr>
+          <p:cNvPr id="2" name="Group 1"/>
+          <p:cNvGrpSpPr/>
+          <p:nvPr/>
+        </p:nvGrpSpPr>
+        <p:grpSpPr>
+          <a:xfrm>
+            <a:off x="389357" y="485463"/>
+            <a:ext cx="2398143" cy="1576251"/>
+            <a:chOff x="389357" y="485463"/>
+            <a:chExt cx="2398143" cy="1576251"/>
+          </a:xfrm>
+        </p:grpSpPr>
+        <p:sp>
+          <p:nvSpPr>
+            <p:cNvPr id="3" name="Cloud 2"/>
+            <p:cNvSpPr/>
+            <p:nvPr/>
+          </p:nvSpPr>
+          <p:spPr>
+            <a:xfrm>
+              <a:off x="389357" y="485463"/>
+              <a:ext cx="2398143" cy="1576251"/>
+            </a:xfrm>
+            <a:prstGeom prst="cloud">
+              <a:avLst/>
+            </a:prstGeom>
+          </p:spPr>
+          <p:style>
+            <a:lnRef idx="2">
+              <a:schemeClr val="accent1">
+                <a:shade val="50000"/>
+              </a:schemeClr>
+            </a:lnRef>
+            <a:fillRef idx="1">
+              <a:schemeClr val="accent1"/>
+            </a:fillRef>
+            <a:effectRef idx="0">
+              <a:schemeClr val="accent1"/>
+            </a:effectRef>
+            <a:fontRef idx="minor">
+              <a:schemeClr val="lt1"/>
+            </a:fontRef>
+          </p:style>
+          <p:txBody>
+            <a:bodyPr rtlCol="0" anchor="ctr"/>
+            <a:lstStyle/>
+            <a:p>
+              <a:pPr algn="ctr"/>
+              <a:endParaRPr lang="es-ES"/>
+            </a:p>
+          </p:txBody>
+        </p:sp>
+        <p:sp>
+          <p:nvSpPr>
+            <p:cNvPr id="4" name="TextBox 3"/>
+            <p:cNvSpPr txBox="1"/>
+            <p:nvPr/>
+          </p:nvSpPr>
+          <p:spPr>
+            <a:xfrm>
+              <a:off x="524143" y="1017917"/>
+              <a:ext cx="1960264" cy="369332"/>
+            </a:xfrm>
+            <a:prstGeom prst="rect">
+              <a:avLst/>
+            </a:prstGeom>
+            <a:noFill/>
+          </p:spPr>
+          <p:txBody>
+            <a:bodyPr wrap="square" rtlCol="0">
+              <a:spAutoFit/>
+            </a:bodyPr>
+            <a:lstStyle/>
+            <a:p>
+              <a:pPr algn="ctr"/>
+              <a:r>
+                <a:rPr lang="es-ES" b="1" dirty="0" smtClean="0"/>
+                <a:t>Lógica – </a:t>
+              </a:r>
+              <a:r>
+                <a:rPr lang="es-ES" b="1" dirty="0" err="1" smtClean="0"/>
+                <a:t>Service</a:t>
+              </a:r>
+              <a:endParaRPr lang="es-ES" b="1" dirty="0"/>
+            </a:p>
+          </p:txBody>
+        </p:sp>
+      </p:grpSp>
+      <p:pic>
+        <p:nvPicPr>
+          <p:cNvPr id="5" name="Picture 4"/>
+          <p:cNvPicPr>
+            <a:picLocks noChangeAspect="1"/>
+          </p:cNvPicPr>
+          <p:nvPr/>
+        </p:nvPicPr>
+        <p:blipFill>
+          <a:blip r:embed="rId2"/>
+          <a:stretch>
+            <a:fillRect/>
+          </a:stretch>
+        </p:blipFill>
+        <p:spPr>
+          <a:xfrm>
+            <a:off x="389357" y="2950234"/>
+            <a:ext cx="3168889" cy="3338782"/>
+          </a:xfrm>
+          <a:prstGeom prst="rect">
+            <a:avLst/>
+          </a:prstGeom>
+        </p:spPr>
+      </p:pic>
+      <p:pic>
+        <p:nvPicPr>
+          <p:cNvPr id="6" name="Picture 5"/>
+          <p:cNvPicPr>
+            <a:picLocks noChangeAspect="1"/>
+          </p:cNvPicPr>
+          <p:nvPr/>
+        </p:nvPicPr>
+        <p:blipFill>
+          <a:blip r:embed="rId3"/>
+          <a:stretch>
+            <a:fillRect/>
+          </a:stretch>
+        </p:blipFill>
+        <p:spPr>
+          <a:xfrm>
+            <a:off x="3693031" y="1736293"/>
+            <a:ext cx="8108977" cy="3853624"/>
+          </a:xfrm>
+          <a:prstGeom prst="rect">
+            <a:avLst/>
+          </a:prstGeom>
+        </p:spPr>
+      </p:pic>
+      <p:sp>
+        <p:nvSpPr>
+          <p:cNvPr id="7" name="TextBox 6"/>
+          <p:cNvSpPr txBox="1"/>
+          <p:nvPr/>
+        </p:nvSpPr>
+        <p:spPr>
+          <a:xfrm>
+            <a:off x="4158858" y="1017917"/>
+            <a:ext cx="6531334" cy="369332"/>
+          </a:xfrm>
+          <a:prstGeom prst="rect">
+            <a:avLst/>
+          </a:prstGeom>
+          <a:solidFill>
+            <a:schemeClr val="accent1"/>
+          </a:solidFill>
+        </p:spPr>
+        <p:txBody>
+          <a:bodyPr wrap="square" rtlCol="0">
+            <a:spAutoFit/>
+          </a:bodyPr>
           <a:lstStyle/>
           <a:p>
-            <a:endParaRPr lang="es-ES"/>
-          </a:p>
-        </p:txBody>
-      </p:sp>
-      <p:sp>
-        <p:nvSpPr>
-          <p:cNvPr id="3" name="Picture Placeholder 2"/>
-          <p:cNvSpPr>
-            <a:spLocks noGrp="1"/>
-          </p:cNvSpPr>
-          <p:nvPr>
-            <p:ph type="pic" idx="1"/>
-          </p:nvPr>
-        </p:nvSpPr>
-        <p:spPr/>
-      </p:sp>
-      <p:sp>
-        <p:nvSpPr>
-          <p:cNvPr id="4" name="Text Placeholder 3"/>
-          <p:cNvSpPr>
-            <a:spLocks noGrp="1"/>
-          </p:cNvSpPr>
-          <p:nvPr>
-            <p:ph type="body" sz="half" idx="2"/>
-          </p:nvPr>
-        </p:nvSpPr>
-        <p:spPr/>
-        <p:txBody>
-          <a:bodyPr/>
-          <a:lstStyle/>
-          <a:p>
-            <a:endParaRPr lang="es-ES"/>
+            <a:r>
+              <a:rPr lang="es-ES" dirty="0" smtClean="0"/>
+              <a:t>Tenemos el método de seleccionar las preguntas de forma </a:t>
+            </a:r>
+            <a:r>
+              <a:rPr lang="es-ES" dirty="0" err="1" smtClean="0"/>
+              <a:t>random</a:t>
+            </a:r>
+            <a:r>
+              <a:rPr lang="es-ES" dirty="0" smtClean="0"/>
+              <a:t>.</a:t>
+            </a:r>
+            <a:endParaRPr lang="es-ES" dirty="0"/>
           </a:p>
         </p:txBody>
       </p:sp>
     </p:spTree>
     <p:extLst>
       <p:ext uri="{BB962C8B-B14F-4D97-AF65-F5344CB8AC3E}">
-        <p14:creationId xmlns:p14="http://schemas.microsoft.com/office/powerpoint/2010/main" val="2400493057"/>
+        <p14:creationId xmlns:p14="http://schemas.microsoft.com/office/powerpoint/2010/main" val="1976330008"/>
       </p:ext>
     </p:extLst>
   </p:cSld>
@@ -3767,10 +4326,1034 @@
           <a:chExt cx="0" cy="0"/>
         </a:xfrm>
       </p:grpSpPr>
+      <p:pic>
+        <p:nvPicPr>
+          <p:cNvPr id="2" name="Picture 1"/>
+          <p:cNvPicPr>
+            <a:picLocks noChangeAspect="1"/>
+          </p:cNvPicPr>
+          <p:nvPr/>
+        </p:nvPicPr>
+        <p:blipFill>
+          <a:blip r:embed="rId2"/>
+          <a:stretch>
+            <a:fillRect/>
+          </a:stretch>
+        </p:blipFill>
+        <p:spPr>
+          <a:xfrm>
+            <a:off x="390255" y="3234906"/>
+            <a:ext cx="2757639" cy="2986896"/>
+          </a:xfrm>
+          <a:prstGeom prst="rect">
+            <a:avLst/>
+          </a:prstGeom>
+        </p:spPr>
+      </p:pic>
+      <p:pic>
+        <p:nvPicPr>
+          <p:cNvPr id="3" name="Picture 2"/>
+          <p:cNvPicPr>
+            <a:picLocks noChangeAspect="1"/>
+          </p:cNvPicPr>
+          <p:nvPr/>
+        </p:nvPicPr>
+        <p:blipFill>
+          <a:blip r:embed="rId3"/>
+          <a:stretch>
+            <a:fillRect/>
+          </a:stretch>
+        </p:blipFill>
+        <p:spPr>
+          <a:xfrm>
+            <a:off x="3941462" y="879895"/>
+            <a:ext cx="7362825" cy="295275"/>
+          </a:xfrm>
+          <a:prstGeom prst="rect">
+            <a:avLst/>
+          </a:prstGeom>
+        </p:spPr>
+      </p:pic>
+      <p:pic>
+        <p:nvPicPr>
+          <p:cNvPr id="4" name="Picture 3"/>
+          <p:cNvPicPr>
+            <a:picLocks noChangeAspect="1"/>
+          </p:cNvPicPr>
+          <p:nvPr/>
+        </p:nvPicPr>
+        <p:blipFill>
+          <a:blip r:embed="rId4"/>
+          <a:stretch>
+            <a:fillRect/>
+          </a:stretch>
+        </p:blipFill>
+        <p:spPr>
+          <a:xfrm>
+            <a:off x="4138612" y="1845424"/>
+            <a:ext cx="3914775" cy="4219575"/>
+          </a:xfrm>
+          <a:prstGeom prst="rect">
+            <a:avLst/>
+          </a:prstGeom>
+        </p:spPr>
+      </p:pic>
+      <p:grpSp>
+        <p:nvGrpSpPr>
+          <p:cNvPr id="5" name="Group 4"/>
+          <p:cNvGrpSpPr/>
+          <p:nvPr/>
+        </p:nvGrpSpPr>
+        <p:grpSpPr>
+          <a:xfrm>
+            <a:off x="389357" y="485463"/>
+            <a:ext cx="2398143" cy="1576251"/>
+            <a:chOff x="389357" y="485463"/>
+            <a:chExt cx="2398143" cy="1576251"/>
+          </a:xfrm>
+        </p:grpSpPr>
+        <p:sp>
+          <p:nvSpPr>
+            <p:cNvPr id="6" name="Cloud 5"/>
+            <p:cNvSpPr/>
+            <p:nvPr/>
+          </p:nvSpPr>
+          <p:spPr>
+            <a:xfrm>
+              <a:off x="389357" y="485463"/>
+              <a:ext cx="2398143" cy="1576251"/>
+            </a:xfrm>
+            <a:prstGeom prst="cloud">
+              <a:avLst/>
+            </a:prstGeom>
+          </p:spPr>
+          <p:style>
+            <a:lnRef idx="2">
+              <a:schemeClr val="accent1">
+                <a:shade val="50000"/>
+              </a:schemeClr>
+            </a:lnRef>
+            <a:fillRef idx="1">
+              <a:schemeClr val="accent1"/>
+            </a:fillRef>
+            <a:effectRef idx="0">
+              <a:schemeClr val="accent1"/>
+            </a:effectRef>
+            <a:fontRef idx="minor">
+              <a:schemeClr val="lt1"/>
+            </a:fontRef>
+          </p:style>
+          <p:txBody>
+            <a:bodyPr rtlCol="0" anchor="ctr"/>
+            <a:lstStyle/>
+            <a:p>
+              <a:pPr algn="ctr"/>
+              <a:endParaRPr lang="es-ES"/>
+            </a:p>
+          </p:txBody>
+        </p:sp>
+        <p:sp>
+          <p:nvSpPr>
+            <p:cNvPr id="7" name="TextBox 6"/>
+            <p:cNvSpPr txBox="1"/>
+            <p:nvPr/>
+          </p:nvSpPr>
+          <p:spPr>
+            <a:xfrm>
+              <a:off x="608296" y="879895"/>
+              <a:ext cx="1960264" cy="646331"/>
+            </a:xfrm>
+            <a:prstGeom prst="rect">
+              <a:avLst/>
+            </a:prstGeom>
+            <a:noFill/>
+          </p:spPr>
+          <p:txBody>
+            <a:bodyPr wrap="square" rtlCol="0">
+              <a:spAutoFit/>
+            </a:bodyPr>
+            <a:lstStyle/>
+            <a:p>
+              <a:pPr algn="ctr"/>
+              <a:r>
+                <a:rPr lang="es-ES" b="1" dirty="0" smtClean="0"/>
+                <a:t>Configuración – </a:t>
+              </a:r>
+              <a:r>
+                <a:rPr lang="es-ES" b="1" dirty="0" err="1" smtClean="0"/>
+                <a:t>app.module.ts</a:t>
+              </a:r>
+              <a:endParaRPr lang="es-ES" b="1" dirty="0"/>
+            </a:p>
+          </p:txBody>
+        </p:sp>
+      </p:grpSp>
+      <p:sp>
+        <p:nvSpPr>
+          <p:cNvPr id="8" name="TextBox 7"/>
+          <p:cNvSpPr txBox="1"/>
+          <p:nvPr/>
+        </p:nvSpPr>
+        <p:spPr>
+          <a:xfrm>
+            <a:off x="3941462" y="360102"/>
+            <a:ext cx="4314017" cy="369332"/>
+          </a:xfrm>
+          <a:prstGeom prst="rect">
+            <a:avLst/>
+          </a:prstGeom>
+          <a:solidFill>
+            <a:schemeClr val="accent1"/>
+          </a:solidFill>
+        </p:spPr>
+        <p:txBody>
+          <a:bodyPr wrap="square" rtlCol="0">
+            <a:spAutoFit/>
+          </a:bodyPr>
+          <a:lstStyle/>
+          <a:p>
+            <a:r>
+              <a:rPr lang="es-ES" dirty="0" smtClean="0"/>
+              <a:t>Comprobamos que esté importado el </a:t>
+            </a:r>
+            <a:r>
+              <a:rPr lang="es-ES" dirty="0" err="1" smtClean="0"/>
+              <a:t>service</a:t>
+            </a:r>
+            <a:r>
+              <a:rPr lang="es-ES" dirty="0" smtClean="0"/>
+              <a:t>.</a:t>
+            </a:r>
+            <a:endParaRPr lang="es-ES" dirty="0"/>
+          </a:p>
+        </p:txBody>
+      </p:sp>
+      <p:sp>
+        <p:nvSpPr>
+          <p:cNvPr id="9" name="TextBox 8"/>
+          <p:cNvSpPr txBox="1"/>
+          <p:nvPr/>
+        </p:nvSpPr>
+        <p:spPr>
+          <a:xfrm>
+            <a:off x="8545093" y="4385763"/>
+            <a:ext cx="2125783" cy="923330"/>
+          </a:xfrm>
+          <a:prstGeom prst="rect">
+            <a:avLst/>
+          </a:prstGeom>
+          <a:solidFill>
+            <a:schemeClr val="accent1"/>
+          </a:solidFill>
+        </p:spPr>
+        <p:txBody>
+          <a:bodyPr wrap="square" rtlCol="0">
+            <a:spAutoFit/>
+          </a:bodyPr>
+          <a:lstStyle/>
+          <a:p>
+            <a:r>
+              <a:rPr lang="es-ES" dirty="0" smtClean="0"/>
+              <a:t>Y que también esté añadido como </a:t>
+            </a:r>
+            <a:r>
+              <a:rPr lang="es-ES" dirty="0" err="1" smtClean="0"/>
+              <a:t>provider</a:t>
+            </a:r>
+            <a:r>
+              <a:rPr lang="es-ES" dirty="0" smtClean="0"/>
+              <a:t>.</a:t>
+            </a:r>
+            <a:endParaRPr lang="es-ES" dirty="0"/>
+          </a:p>
+        </p:txBody>
+      </p:sp>
     </p:spTree>
     <p:extLst>
       <p:ext uri="{BB962C8B-B14F-4D97-AF65-F5344CB8AC3E}">
-        <p14:creationId xmlns:p14="http://schemas.microsoft.com/office/powerpoint/2010/main" val="132803926"/>
+        <p14:creationId xmlns:p14="http://schemas.microsoft.com/office/powerpoint/2010/main" val="2579871993"/>
+      </p:ext>
+    </p:extLst>
+  </p:cSld>
+  <p:clrMapOvr>
+    <a:masterClrMapping/>
+  </p:clrMapOvr>
+</p:sld>
+</file>
+
+<file path=ppt/slides/slide14.xml><?xml version="1.0" encoding="utf-8"?>
+<p:sld xmlns:a="http://schemas.openxmlformats.org/drawingml/2006/main" xmlns:r="http://schemas.openxmlformats.org/officeDocument/2006/relationships" xmlns:p="http://schemas.openxmlformats.org/presentationml/2006/main">
+  <p:cSld>
+    <p:spTree>
+      <p:nvGrpSpPr>
+        <p:cNvPr id="1" name=""/>
+        <p:cNvGrpSpPr/>
+        <p:nvPr/>
+      </p:nvGrpSpPr>
+      <p:grpSpPr>
+        <a:xfrm>
+          <a:off x="0" y="0"/>
+          <a:ext cx="0" cy="0"/>
+          <a:chOff x="0" y="0"/>
+          <a:chExt cx="0" cy="0"/>
+        </a:xfrm>
+      </p:grpSpPr>
+      <p:pic>
+        <p:nvPicPr>
+          <p:cNvPr id="3" name="Picture 2"/>
+          <p:cNvPicPr>
+            <a:picLocks noChangeAspect="1"/>
+          </p:cNvPicPr>
+          <p:nvPr/>
+        </p:nvPicPr>
+        <p:blipFill>
+          <a:blip r:embed="rId2"/>
+          <a:stretch>
+            <a:fillRect/>
+          </a:stretch>
+        </p:blipFill>
+        <p:spPr>
+          <a:xfrm>
+            <a:off x="331668" y="3381554"/>
+            <a:ext cx="3019592" cy="2860285"/>
+          </a:xfrm>
+          <a:prstGeom prst="rect">
+            <a:avLst/>
+          </a:prstGeom>
+        </p:spPr>
+      </p:pic>
+      <p:pic>
+        <p:nvPicPr>
+          <p:cNvPr id="4" name="Picture 3"/>
+          <p:cNvPicPr>
+            <a:picLocks noChangeAspect="1"/>
+          </p:cNvPicPr>
+          <p:nvPr/>
+        </p:nvPicPr>
+        <p:blipFill>
+          <a:blip r:embed="rId3"/>
+          <a:stretch>
+            <a:fillRect/>
+          </a:stretch>
+        </p:blipFill>
+        <p:spPr>
+          <a:xfrm>
+            <a:off x="3997363" y="360465"/>
+            <a:ext cx="7423697" cy="4451231"/>
+          </a:xfrm>
+          <a:prstGeom prst="rect">
+            <a:avLst/>
+          </a:prstGeom>
+        </p:spPr>
+      </p:pic>
+      <p:grpSp>
+        <p:nvGrpSpPr>
+          <p:cNvPr id="5" name="Group 4"/>
+          <p:cNvGrpSpPr/>
+          <p:nvPr/>
+        </p:nvGrpSpPr>
+        <p:grpSpPr>
+          <a:xfrm>
+            <a:off x="389357" y="485463"/>
+            <a:ext cx="2398143" cy="1576251"/>
+            <a:chOff x="389357" y="485463"/>
+            <a:chExt cx="2398143" cy="1576251"/>
+          </a:xfrm>
+        </p:grpSpPr>
+        <p:sp>
+          <p:nvSpPr>
+            <p:cNvPr id="6" name="Cloud 5"/>
+            <p:cNvSpPr/>
+            <p:nvPr/>
+          </p:nvSpPr>
+          <p:spPr>
+            <a:xfrm>
+              <a:off x="389357" y="485463"/>
+              <a:ext cx="2398143" cy="1576251"/>
+            </a:xfrm>
+            <a:prstGeom prst="cloud">
+              <a:avLst/>
+            </a:prstGeom>
+          </p:spPr>
+          <p:style>
+            <a:lnRef idx="2">
+              <a:schemeClr val="accent1">
+                <a:shade val="50000"/>
+              </a:schemeClr>
+            </a:lnRef>
+            <a:fillRef idx="1">
+              <a:schemeClr val="accent1"/>
+            </a:fillRef>
+            <a:effectRef idx="0">
+              <a:schemeClr val="accent1"/>
+            </a:effectRef>
+            <a:fontRef idx="minor">
+              <a:schemeClr val="lt1"/>
+            </a:fontRef>
+          </p:style>
+          <p:txBody>
+            <a:bodyPr rtlCol="0" anchor="ctr"/>
+            <a:lstStyle/>
+            <a:p>
+              <a:pPr algn="ctr"/>
+              <a:endParaRPr lang="es-ES"/>
+            </a:p>
+          </p:txBody>
+        </p:sp>
+        <p:sp>
+          <p:nvSpPr>
+            <p:cNvPr id="7" name="TextBox 6"/>
+            <p:cNvSpPr txBox="1"/>
+            <p:nvPr/>
+          </p:nvSpPr>
+          <p:spPr>
+            <a:xfrm>
+              <a:off x="608296" y="879895"/>
+              <a:ext cx="1960264" cy="646331"/>
+            </a:xfrm>
+            <a:prstGeom prst="rect">
+              <a:avLst/>
+            </a:prstGeom>
+            <a:noFill/>
+          </p:spPr>
+          <p:txBody>
+            <a:bodyPr wrap="square" rtlCol="0">
+              <a:spAutoFit/>
+            </a:bodyPr>
+            <a:lstStyle/>
+            <a:p>
+              <a:pPr algn="ctr"/>
+              <a:r>
+                <a:rPr lang="es-ES" b="1" dirty="0" smtClean="0"/>
+                <a:t>Data – </a:t>
+              </a:r>
+            </a:p>
+            <a:p>
+              <a:pPr algn="ctr"/>
+              <a:r>
+                <a:rPr lang="es-ES" b="1" dirty="0" err="1" smtClean="0"/>
+                <a:t>json</a:t>
+              </a:r>
+              <a:r>
+                <a:rPr lang="es-ES" b="1" dirty="0" smtClean="0"/>
+                <a:t> en </a:t>
+              </a:r>
+              <a:r>
+                <a:rPr lang="es-ES" b="1" dirty="0" err="1" smtClean="0"/>
+                <a:t>assests</a:t>
+              </a:r>
+              <a:endParaRPr lang="es-ES" b="1" dirty="0"/>
+            </a:p>
+          </p:txBody>
+        </p:sp>
+      </p:grpSp>
+    </p:spTree>
+    <p:extLst>
+      <p:ext uri="{BB962C8B-B14F-4D97-AF65-F5344CB8AC3E}">
+        <p14:creationId xmlns:p14="http://schemas.microsoft.com/office/powerpoint/2010/main" val="3293559018"/>
+      </p:ext>
+    </p:extLst>
+  </p:cSld>
+  <p:clrMapOvr>
+    <a:masterClrMapping/>
+  </p:clrMapOvr>
+</p:sld>
+</file>
+
+<file path=ppt/slides/slide15.xml><?xml version="1.0" encoding="utf-8"?>
+<p:sld xmlns:a="http://schemas.openxmlformats.org/drawingml/2006/main" xmlns:r="http://schemas.openxmlformats.org/officeDocument/2006/relationships" xmlns:p="http://schemas.openxmlformats.org/presentationml/2006/main">
+  <p:cSld>
+    <p:spTree>
+      <p:nvGrpSpPr>
+        <p:cNvPr id="1" name=""/>
+        <p:cNvGrpSpPr/>
+        <p:nvPr/>
+      </p:nvGrpSpPr>
+      <p:grpSpPr>
+        <a:xfrm>
+          <a:off x="0" y="0"/>
+          <a:ext cx="0" cy="0"/>
+          <a:chOff x="0" y="0"/>
+          <a:chExt cx="0" cy="0"/>
+        </a:xfrm>
+      </p:grpSpPr>
+      <p:sp>
+        <p:nvSpPr>
+          <p:cNvPr id="3" name="Text Placeholder 2"/>
+          <p:cNvSpPr>
+            <a:spLocks noGrp="1"/>
+          </p:cNvSpPr>
+          <p:nvPr>
+            <p:ph type="body" idx="1"/>
+          </p:nvPr>
+        </p:nvSpPr>
+        <p:spPr/>
+        <p:txBody>
+          <a:bodyPr/>
+          <a:lstStyle/>
+          <a:p>
+            <a:endParaRPr lang="es-ES" dirty="0"/>
+          </a:p>
+        </p:txBody>
+      </p:sp>
+      <p:sp>
+        <p:nvSpPr>
+          <p:cNvPr id="4" name="Title 1"/>
+          <p:cNvSpPr>
+            <a:spLocks noGrp="1"/>
+          </p:cNvSpPr>
+          <p:nvPr>
+            <p:ph type="title"/>
+          </p:nvPr>
+        </p:nvSpPr>
+        <p:spPr/>
+        <p:txBody>
+          <a:bodyPr/>
+          <a:lstStyle/>
+          <a:p>
+            <a:r>
+              <a:rPr lang="es-ES" dirty="0" smtClean="0"/>
+              <a:t>Pantalla juego</a:t>
+            </a:r>
+            <a:endParaRPr lang="es-ES" dirty="0"/>
+          </a:p>
+        </p:txBody>
+      </p:sp>
+    </p:spTree>
+    <p:extLst>
+      <p:ext uri="{BB962C8B-B14F-4D97-AF65-F5344CB8AC3E}">
+        <p14:creationId xmlns:p14="http://schemas.microsoft.com/office/powerpoint/2010/main" val="203318373"/>
+      </p:ext>
+    </p:extLst>
+  </p:cSld>
+  <p:clrMapOvr>
+    <a:masterClrMapping/>
+  </p:clrMapOvr>
+</p:sld>
+</file>
+
+<file path=ppt/slides/slide16.xml><?xml version="1.0" encoding="utf-8"?>
+<p:sld xmlns:a="http://schemas.openxmlformats.org/drawingml/2006/main" xmlns:r="http://schemas.openxmlformats.org/officeDocument/2006/relationships" xmlns:p="http://schemas.openxmlformats.org/presentationml/2006/main">
+  <p:cSld>
+    <p:spTree>
+      <p:nvGrpSpPr>
+        <p:cNvPr id="1" name=""/>
+        <p:cNvGrpSpPr/>
+        <p:nvPr/>
+      </p:nvGrpSpPr>
+      <p:grpSpPr>
+        <a:xfrm>
+          <a:off x="0" y="0"/>
+          <a:ext cx="0" cy="0"/>
+          <a:chOff x="0" y="0"/>
+          <a:chExt cx="0" cy="0"/>
+        </a:xfrm>
+      </p:grpSpPr>
+      <p:pic>
+        <p:nvPicPr>
+          <p:cNvPr id="7" name="Picture 6"/>
+          <p:cNvPicPr>
+            <a:picLocks noChangeAspect="1"/>
+          </p:cNvPicPr>
+          <p:nvPr/>
+        </p:nvPicPr>
+        <p:blipFill>
+          <a:blip r:embed="rId2"/>
+          <a:stretch>
+            <a:fillRect/>
+          </a:stretch>
+        </p:blipFill>
+        <p:spPr>
+          <a:xfrm>
+            <a:off x="600801" y="621101"/>
+            <a:ext cx="10872331" cy="4572000"/>
+          </a:xfrm>
+          <a:prstGeom prst="rect">
+            <a:avLst/>
+          </a:prstGeom>
+        </p:spPr>
+      </p:pic>
+    </p:spTree>
+    <p:extLst>
+      <p:ext uri="{BB962C8B-B14F-4D97-AF65-F5344CB8AC3E}">
+        <p14:creationId xmlns:p14="http://schemas.microsoft.com/office/powerpoint/2010/main" val="2219239325"/>
+      </p:ext>
+    </p:extLst>
+  </p:cSld>
+  <p:clrMapOvr>
+    <a:masterClrMapping/>
+  </p:clrMapOvr>
+</p:sld>
+</file>
+
+<file path=ppt/slides/slide17.xml><?xml version="1.0" encoding="utf-8"?>
+<p:sld xmlns:a="http://schemas.openxmlformats.org/drawingml/2006/main" xmlns:r="http://schemas.openxmlformats.org/officeDocument/2006/relationships" xmlns:p="http://schemas.openxmlformats.org/presentationml/2006/main">
+  <p:cSld>
+    <p:spTree>
+      <p:nvGrpSpPr>
+        <p:cNvPr id="1" name=""/>
+        <p:cNvGrpSpPr/>
+        <p:nvPr/>
+      </p:nvGrpSpPr>
+      <p:grpSpPr>
+        <a:xfrm>
+          <a:off x="0" y="0"/>
+          <a:ext cx="0" cy="0"/>
+          <a:chOff x="0" y="0"/>
+          <a:chExt cx="0" cy="0"/>
+        </a:xfrm>
+      </p:grpSpPr>
+      <p:pic>
+        <p:nvPicPr>
+          <p:cNvPr id="2" name="Picture 1"/>
+          <p:cNvPicPr>
+            <a:picLocks noChangeAspect="1"/>
+          </p:cNvPicPr>
+          <p:nvPr/>
+        </p:nvPicPr>
+        <p:blipFill>
+          <a:blip r:embed="rId2"/>
+          <a:stretch>
+            <a:fillRect/>
+          </a:stretch>
+        </p:blipFill>
+        <p:spPr>
+          <a:xfrm>
+            <a:off x="322683" y="3571336"/>
+            <a:ext cx="3423530" cy="2835968"/>
+          </a:xfrm>
+          <a:prstGeom prst="rect">
+            <a:avLst/>
+          </a:prstGeom>
+        </p:spPr>
+      </p:pic>
+      <p:sp>
+        <p:nvSpPr>
+          <p:cNvPr id="4" name="Cloud 3"/>
+          <p:cNvSpPr/>
+          <p:nvPr/>
+        </p:nvSpPr>
+        <p:spPr>
+          <a:xfrm>
+            <a:off x="389357" y="485463"/>
+            <a:ext cx="2398143" cy="1576251"/>
+          </a:xfrm>
+          <a:prstGeom prst="cloud">
+            <a:avLst/>
+          </a:prstGeom>
+        </p:spPr>
+        <p:style>
+          <a:lnRef idx="2">
+            <a:schemeClr val="accent1">
+              <a:shade val="50000"/>
+            </a:schemeClr>
+          </a:lnRef>
+          <a:fillRef idx="1">
+            <a:schemeClr val="accent1"/>
+          </a:fillRef>
+          <a:effectRef idx="0">
+            <a:schemeClr val="accent1"/>
+          </a:effectRef>
+          <a:fontRef idx="minor">
+            <a:schemeClr val="lt1"/>
+          </a:fontRef>
+        </p:style>
+        <p:txBody>
+          <a:bodyPr rtlCol="0" anchor="ctr"/>
+          <a:lstStyle/>
+          <a:p>
+            <a:pPr algn="ctr"/>
+            <a:endParaRPr lang="es-ES"/>
+          </a:p>
+        </p:txBody>
+      </p:sp>
+      <p:sp>
+        <p:nvSpPr>
+          <p:cNvPr id="5" name="TextBox 4"/>
+          <p:cNvSpPr txBox="1"/>
+          <p:nvPr/>
+        </p:nvSpPr>
+        <p:spPr>
+          <a:xfrm>
+            <a:off x="477374" y="793631"/>
+            <a:ext cx="2155435" cy="646331"/>
+          </a:xfrm>
+          <a:prstGeom prst="rect">
+            <a:avLst/>
+          </a:prstGeom>
+          <a:noFill/>
+        </p:spPr>
+        <p:txBody>
+          <a:bodyPr wrap="square" rtlCol="0">
+            <a:spAutoFit/>
+          </a:bodyPr>
+          <a:lstStyle/>
+          <a:p>
+            <a:pPr algn="ctr"/>
+            <a:r>
+              <a:rPr lang="es-ES" b="1" dirty="0" smtClean="0"/>
+              <a:t>Vista – app.component.html</a:t>
+            </a:r>
+            <a:endParaRPr lang="es-ES" b="1" dirty="0"/>
+          </a:p>
+        </p:txBody>
+      </p:sp>
+      <p:pic>
+        <p:nvPicPr>
+          <p:cNvPr id="6" name="Picture 5"/>
+          <p:cNvPicPr>
+            <a:picLocks noChangeAspect="1"/>
+          </p:cNvPicPr>
+          <p:nvPr/>
+        </p:nvPicPr>
+        <p:blipFill>
+          <a:blip r:embed="rId3"/>
+          <a:stretch>
+            <a:fillRect/>
+          </a:stretch>
+        </p:blipFill>
+        <p:spPr>
+          <a:xfrm>
+            <a:off x="3061748" y="1087629"/>
+            <a:ext cx="8957723" cy="2241468"/>
+          </a:xfrm>
+          <a:prstGeom prst="rect">
+            <a:avLst/>
+          </a:prstGeom>
+        </p:spPr>
+      </p:pic>
+    </p:spTree>
+    <p:extLst>
+      <p:ext uri="{BB962C8B-B14F-4D97-AF65-F5344CB8AC3E}">
+        <p14:creationId xmlns:p14="http://schemas.microsoft.com/office/powerpoint/2010/main" val="2150426526"/>
+      </p:ext>
+    </p:extLst>
+  </p:cSld>
+  <p:clrMapOvr>
+    <a:masterClrMapping/>
+  </p:clrMapOvr>
+</p:sld>
+</file>
+
+<file path=ppt/slides/slide18.xml><?xml version="1.0" encoding="utf-8"?>
+<p:sld xmlns:a="http://schemas.openxmlformats.org/drawingml/2006/main" xmlns:r="http://schemas.openxmlformats.org/officeDocument/2006/relationships" xmlns:p="http://schemas.openxmlformats.org/presentationml/2006/main">
+  <p:cSld>
+    <p:spTree>
+      <p:nvGrpSpPr>
+        <p:cNvPr id="1" name=""/>
+        <p:cNvGrpSpPr/>
+        <p:nvPr/>
+      </p:nvGrpSpPr>
+      <p:grpSpPr>
+        <a:xfrm>
+          <a:off x="0" y="0"/>
+          <a:ext cx="0" cy="0"/>
+          <a:chOff x="0" y="0"/>
+          <a:chExt cx="0" cy="0"/>
+        </a:xfrm>
+      </p:grpSpPr>
+      <p:pic>
+        <p:nvPicPr>
+          <p:cNvPr id="2" name="Picture 1"/>
+          <p:cNvPicPr>
+            <a:picLocks noChangeAspect="1"/>
+          </p:cNvPicPr>
+          <p:nvPr/>
+        </p:nvPicPr>
+        <p:blipFill>
+          <a:blip r:embed="rId2"/>
+          <a:stretch>
+            <a:fillRect/>
+          </a:stretch>
+        </p:blipFill>
+        <p:spPr>
+          <a:xfrm>
+            <a:off x="389357" y="3350013"/>
+            <a:ext cx="3132286" cy="2695395"/>
+          </a:xfrm>
+          <a:prstGeom prst="rect">
+            <a:avLst/>
+          </a:prstGeom>
+        </p:spPr>
+      </p:pic>
+      <p:grpSp>
+        <p:nvGrpSpPr>
+          <p:cNvPr id="12" name="Group 11"/>
+          <p:cNvGrpSpPr/>
+          <p:nvPr/>
+        </p:nvGrpSpPr>
+        <p:grpSpPr>
+          <a:xfrm>
+            <a:off x="389357" y="485463"/>
+            <a:ext cx="2398143" cy="1576251"/>
+            <a:chOff x="389357" y="485463"/>
+            <a:chExt cx="2398143" cy="1576251"/>
+          </a:xfrm>
+        </p:grpSpPr>
+        <p:sp>
+          <p:nvSpPr>
+            <p:cNvPr id="6" name="Cloud 5"/>
+            <p:cNvSpPr/>
+            <p:nvPr/>
+          </p:nvSpPr>
+          <p:spPr>
+            <a:xfrm>
+              <a:off x="389357" y="485463"/>
+              <a:ext cx="2398143" cy="1576251"/>
+            </a:xfrm>
+            <a:prstGeom prst="cloud">
+              <a:avLst/>
+            </a:prstGeom>
+          </p:spPr>
+          <p:style>
+            <a:lnRef idx="2">
+              <a:schemeClr val="accent1">
+                <a:shade val="50000"/>
+              </a:schemeClr>
+            </a:lnRef>
+            <a:fillRef idx="1">
+              <a:schemeClr val="accent1"/>
+            </a:fillRef>
+            <a:effectRef idx="0">
+              <a:schemeClr val="accent1"/>
+            </a:effectRef>
+            <a:fontRef idx="minor">
+              <a:schemeClr val="lt1"/>
+            </a:fontRef>
+          </p:style>
+          <p:txBody>
+            <a:bodyPr rtlCol="0" anchor="ctr"/>
+            <a:lstStyle/>
+            <a:p>
+              <a:pPr algn="ctr"/>
+              <a:endParaRPr lang="es-ES"/>
+            </a:p>
+          </p:txBody>
+        </p:sp>
+        <p:sp>
+          <p:nvSpPr>
+            <p:cNvPr id="7" name="TextBox 6"/>
+            <p:cNvSpPr txBox="1"/>
+            <p:nvPr/>
+          </p:nvSpPr>
+          <p:spPr>
+            <a:xfrm>
+              <a:off x="584528" y="836763"/>
+              <a:ext cx="1960264" cy="646331"/>
+            </a:xfrm>
+            <a:prstGeom prst="rect">
+              <a:avLst/>
+            </a:prstGeom>
+            <a:noFill/>
+          </p:spPr>
+          <p:txBody>
+            <a:bodyPr wrap="square" rtlCol="0">
+              <a:spAutoFit/>
+            </a:bodyPr>
+            <a:lstStyle/>
+            <a:p>
+              <a:pPr algn="ctr"/>
+              <a:r>
+                <a:rPr lang="es-ES" b="1" dirty="0" smtClean="0"/>
+                <a:t>Lógica – </a:t>
+              </a:r>
+              <a:r>
+                <a:rPr lang="es-ES" b="1" dirty="0" err="1" smtClean="0"/>
+                <a:t>app.component.ts</a:t>
+              </a:r>
+              <a:endParaRPr lang="es-ES" b="1" dirty="0"/>
+            </a:p>
+          </p:txBody>
+        </p:sp>
+      </p:grpSp>
+      <p:pic>
+        <p:nvPicPr>
+          <p:cNvPr id="3" name="Picture 2"/>
+          <p:cNvPicPr>
+            <a:picLocks noChangeAspect="1"/>
+          </p:cNvPicPr>
+          <p:nvPr/>
+        </p:nvPicPr>
+        <p:blipFill>
+          <a:blip r:embed="rId3"/>
+          <a:stretch>
+            <a:fillRect/>
+          </a:stretch>
+        </p:blipFill>
+        <p:spPr>
+          <a:xfrm>
+            <a:off x="4062053" y="103730"/>
+            <a:ext cx="6024191" cy="3015345"/>
+          </a:xfrm>
+          <a:prstGeom prst="rect">
+            <a:avLst/>
+          </a:prstGeom>
+        </p:spPr>
+      </p:pic>
+      <p:pic>
+        <p:nvPicPr>
+          <p:cNvPr id="13" name="Picture 12"/>
+          <p:cNvPicPr>
+            <a:picLocks noChangeAspect="1"/>
+          </p:cNvPicPr>
+          <p:nvPr/>
+        </p:nvPicPr>
+        <p:blipFill>
+          <a:blip r:embed="rId4"/>
+          <a:stretch>
+            <a:fillRect/>
+          </a:stretch>
+        </p:blipFill>
+        <p:spPr>
+          <a:xfrm>
+            <a:off x="4043449" y="3350013"/>
+            <a:ext cx="6463524" cy="3181800"/>
+          </a:xfrm>
+          <a:prstGeom prst="rect">
+            <a:avLst/>
+          </a:prstGeom>
+        </p:spPr>
+      </p:pic>
+      <p:sp>
+        <p:nvSpPr>
+          <p:cNvPr id="9" name="TextBox 8"/>
+          <p:cNvSpPr txBox="1"/>
+          <p:nvPr/>
+        </p:nvSpPr>
+        <p:spPr>
+          <a:xfrm>
+            <a:off x="9648019" y="673423"/>
+            <a:ext cx="2377203" cy="1477328"/>
+          </a:xfrm>
+          <a:prstGeom prst="rect">
+            <a:avLst/>
+          </a:prstGeom>
+          <a:solidFill>
+            <a:schemeClr val="accent1"/>
+          </a:solidFill>
+        </p:spPr>
+        <p:txBody>
+          <a:bodyPr wrap="square" rtlCol="0">
+            <a:spAutoFit/>
+          </a:bodyPr>
+          <a:lstStyle/>
+          <a:p>
+            <a:r>
+              <a:rPr lang="es-ES" dirty="0" smtClean="0"/>
+              <a:t>Verificamos si la pregunta está bien contestada y si hay mas preguntamos mostramos la siguiente</a:t>
+            </a:r>
+            <a:endParaRPr lang="es-ES" dirty="0"/>
+          </a:p>
+        </p:txBody>
+      </p:sp>
+      <p:sp>
+        <p:nvSpPr>
+          <p:cNvPr id="10" name="TextBox 9"/>
+          <p:cNvSpPr txBox="1"/>
+          <p:nvPr/>
+        </p:nvSpPr>
+        <p:spPr>
+          <a:xfrm>
+            <a:off x="8807570" y="5608483"/>
+            <a:ext cx="3036497" cy="646331"/>
+          </a:xfrm>
+          <a:prstGeom prst="rect">
+            <a:avLst/>
+          </a:prstGeom>
+          <a:solidFill>
+            <a:schemeClr val="accent1"/>
+          </a:solidFill>
+        </p:spPr>
+        <p:txBody>
+          <a:bodyPr wrap="square" rtlCol="0">
+            <a:spAutoFit/>
+          </a:bodyPr>
+          <a:lstStyle/>
+          <a:p>
+            <a:r>
+              <a:rPr lang="es-ES" dirty="0" smtClean="0"/>
+              <a:t>Calculamos el mensaje a mostrar y la imagen</a:t>
+            </a:r>
+            <a:endParaRPr lang="es-ES" dirty="0"/>
+          </a:p>
+        </p:txBody>
+      </p:sp>
+    </p:spTree>
+    <p:extLst>
+      <p:ext uri="{BB962C8B-B14F-4D97-AF65-F5344CB8AC3E}">
+        <p14:creationId xmlns:p14="http://schemas.microsoft.com/office/powerpoint/2010/main" val="913124788"/>
+      </p:ext>
+    </p:extLst>
+  </p:cSld>
+  <p:clrMapOvr>
+    <a:masterClrMapping/>
+  </p:clrMapOvr>
+</p:sld>
+</file>
+
+<file path=ppt/slides/slide19.xml><?xml version="1.0" encoding="utf-8"?>
+<p:sld xmlns:a="http://schemas.openxmlformats.org/drawingml/2006/main" xmlns:r="http://schemas.openxmlformats.org/officeDocument/2006/relationships" xmlns:p="http://schemas.openxmlformats.org/presentationml/2006/main">
+  <p:cSld>
+    <p:spTree>
+      <p:nvGrpSpPr>
+        <p:cNvPr id="1" name=""/>
+        <p:cNvGrpSpPr/>
+        <p:nvPr/>
+      </p:nvGrpSpPr>
+      <p:grpSpPr>
+        <a:xfrm>
+          <a:off x="0" y="0"/>
+          <a:ext cx="0" cy="0"/>
+          <a:chOff x="0" y="0"/>
+          <a:chExt cx="0" cy="0"/>
+        </a:xfrm>
+      </p:grpSpPr>
+      <p:sp>
+        <p:nvSpPr>
+          <p:cNvPr id="3" name="Text Placeholder 2"/>
+          <p:cNvSpPr>
+            <a:spLocks noGrp="1"/>
+          </p:cNvSpPr>
+          <p:nvPr>
+            <p:ph type="body" idx="1"/>
+          </p:nvPr>
+        </p:nvSpPr>
+        <p:spPr/>
+        <p:txBody>
+          <a:bodyPr/>
+          <a:lstStyle/>
+          <a:p>
+            <a:endParaRPr lang="es-ES" dirty="0"/>
+          </a:p>
+        </p:txBody>
+      </p:sp>
+      <p:sp>
+        <p:nvSpPr>
+          <p:cNvPr id="4" name="Title 1"/>
+          <p:cNvSpPr>
+            <a:spLocks noGrp="1"/>
+          </p:cNvSpPr>
+          <p:nvPr>
+            <p:ph type="title"/>
+          </p:nvPr>
+        </p:nvSpPr>
+        <p:spPr/>
+        <p:txBody>
+          <a:bodyPr/>
+          <a:lstStyle/>
+          <a:p>
+            <a:r>
+              <a:rPr lang="es-ES" smtClean="0"/>
+              <a:t>Pantalla resultado</a:t>
+            </a:r>
+            <a:endParaRPr lang="es-ES" dirty="0"/>
+          </a:p>
+        </p:txBody>
+      </p:sp>
+    </p:spTree>
+    <p:extLst>
+      <p:ext uri="{BB962C8B-B14F-4D97-AF65-F5344CB8AC3E}">
+        <p14:creationId xmlns:p14="http://schemas.microsoft.com/office/powerpoint/2010/main" val="3911363519"/>
       </p:ext>
     </p:extLst>
   </p:cSld>
@@ -3824,6 +5407,409 @@
     <p:extLst>
       <p:ext uri="{BB962C8B-B14F-4D97-AF65-F5344CB8AC3E}">
         <p14:creationId xmlns:p14="http://schemas.microsoft.com/office/powerpoint/2010/main" val="67877259"/>
+      </p:ext>
+    </p:extLst>
+  </p:cSld>
+  <p:clrMapOvr>
+    <a:masterClrMapping/>
+  </p:clrMapOvr>
+</p:sld>
+</file>
+
+<file path=ppt/slides/slide20.xml><?xml version="1.0" encoding="utf-8"?>
+<p:sld xmlns:a="http://schemas.openxmlformats.org/drawingml/2006/main" xmlns:r="http://schemas.openxmlformats.org/officeDocument/2006/relationships" xmlns:p="http://schemas.openxmlformats.org/presentationml/2006/main">
+  <p:cSld>
+    <p:spTree>
+      <p:nvGrpSpPr>
+        <p:cNvPr id="1" name=""/>
+        <p:cNvGrpSpPr/>
+        <p:nvPr/>
+      </p:nvGrpSpPr>
+      <p:grpSpPr>
+        <a:xfrm>
+          <a:off x="0" y="0"/>
+          <a:ext cx="0" cy="0"/>
+          <a:chOff x="0" y="0"/>
+          <a:chExt cx="0" cy="0"/>
+        </a:xfrm>
+      </p:grpSpPr>
+      <p:pic>
+        <p:nvPicPr>
+          <p:cNvPr id="2" name="Picture 1"/>
+          <p:cNvPicPr>
+            <a:picLocks noChangeAspect="1"/>
+          </p:cNvPicPr>
+          <p:nvPr/>
+        </p:nvPicPr>
+        <p:blipFill>
+          <a:blip r:embed="rId2"/>
+          <a:stretch>
+            <a:fillRect/>
+          </a:stretch>
+        </p:blipFill>
+        <p:spPr>
+          <a:xfrm>
+            <a:off x="439947" y="589263"/>
+            <a:ext cx="10990053" cy="4992028"/>
+          </a:xfrm>
+          <a:prstGeom prst="rect">
+            <a:avLst/>
+          </a:prstGeom>
+        </p:spPr>
+      </p:pic>
+    </p:spTree>
+    <p:extLst>
+      <p:ext uri="{BB962C8B-B14F-4D97-AF65-F5344CB8AC3E}">
+        <p14:creationId xmlns:p14="http://schemas.microsoft.com/office/powerpoint/2010/main" val="132803926"/>
+      </p:ext>
+    </p:extLst>
+  </p:cSld>
+  <p:clrMapOvr>
+    <a:masterClrMapping/>
+  </p:clrMapOvr>
+</p:sld>
+</file>
+
+<file path=ppt/slides/slide21.xml><?xml version="1.0" encoding="utf-8"?>
+<p:sld xmlns:a="http://schemas.openxmlformats.org/drawingml/2006/main" xmlns:r="http://schemas.openxmlformats.org/officeDocument/2006/relationships" xmlns:p="http://schemas.openxmlformats.org/presentationml/2006/main">
+  <p:cSld>
+    <p:spTree>
+      <p:nvGrpSpPr>
+        <p:cNvPr id="1" name=""/>
+        <p:cNvGrpSpPr/>
+        <p:nvPr/>
+      </p:nvGrpSpPr>
+      <p:grpSpPr>
+        <a:xfrm>
+          <a:off x="0" y="0"/>
+          <a:ext cx="0" cy="0"/>
+          <a:chOff x="0" y="0"/>
+          <a:chExt cx="0" cy="0"/>
+        </a:xfrm>
+      </p:grpSpPr>
+      <p:pic>
+        <p:nvPicPr>
+          <p:cNvPr id="2" name="Picture 1"/>
+          <p:cNvPicPr>
+            <a:picLocks noChangeAspect="1"/>
+          </p:cNvPicPr>
+          <p:nvPr/>
+        </p:nvPicPr>
+        <p:blipFill>
+          <a:blip r:embed="rId2"/>
+          <a:stretch>
+            <a:fillRect/>
+          </a:stretch>
+        </p:blipFill>
+        <p:spPr>
+          <a:xfrm>
+            <a:off x="322683" y="3571336"/>
+            <a:ext cx="3423530" cy="2835968"/>
+          </a:xfrm>
+          <a:prstGeom prst="rect">
+            <a:avLst/>
+          </a:prstGeom>
+        </p:spPr>
+      </p:pic>
+      <p:sp>
+        <p:nvSpPr>
+          <p:cNvPr id="4" name="Cloud 3"/>
+          <p:cNvSpPr/>
+          <p:nvPr/>
+        </p:nvSpPr>
+        <p:spPr>
+          <a:xfrm>
+            <a:off x="389357" y="485463"/>
+            <a:ext cx="2398143" cy="1576251"/>
+          </a:xfrm>
+          <a:prstGeom prst="cloud">
+            <a:avLst/>
+          </a:prstGeom>
+        </p:spPr>
+        <p:style>
+          <a:lnRef idx="2">
+            <a:schemeClr val="accent1">
+              <a:shade val="50000"/>
+            </a:schemeClr>
+          </a:lnRef>
+          <a:fillRef idx="1">
+            <a:schemeClr val="accent1"/>
+          </a:fillRef>
+          <a:effectRef idx="0">
+            <a:schemeClr val="accent1"/>
+          </a:effectRef>
+          <a:fontRef idx="minor">
+            <a:schemeClr val="lt1"/>
+          </a:fontRef>
+        </p:style>
+        <p:txBody>
+          <a:bodyPr rtlCol="0" anchor="ctr"/>
+          <a:lstStyle/>
+          <a:p>
+            <a:pPr algn="ctr"/>
+            <a:endParaRPr lang="es-ES"/>
+          </a:p>
+        </p:txBody>
+      </p:sp>
+      <p:sp>
+        <p:nvSpPr>
+          <p:cNvPr id="5" name="TextBox 4"/>
+          <p:cNvSpPr txBox="1"/>
+          <p:nvPr/>
+        </p:nvSpPr>
+        <p:spPr>
+          <a:xfrm>
+            <a:off x="477374" y="793631"/>
+            <a:ext cx="2155435" cy="646331"/>
+          </a:xfrm>
+          <a:prstGeom prst="rect">
+            <a:avLst/>
+          </a:prstGeom>
+          <a:noFill/>
+        </p:spPr>
+        <p:txBody>
+          <a:bodyPr wrap="square" rtlCol="0">
+            <a:spAutoFit/>
+          </a:bodyPr>
+          <a:lstStyle/>
+          <a:p>
+            <a:pPr algn="ctr"/>
+            <a:r>
+              <a:rPr lang="es-ES" b="1" dirty="0" smtClean="0"/>
+              <a:t>Vista – app.component.html</a:t>
+            </a:r>
+            <a:endParaRPr lang="es-ES" b="1" dirty="0"/>
+          </a:p>
+        </p:txBody>
+      </p:sp>
+      <p:pic>
+        <p:nvPicPr>
+          <p:cNvPr id="3" name="Picture 2"/>
+          <p:cNvPicPr>
+            <a:picLocks noChangeAspect="1"/>
+          </p:cNvPicPr>
+          <p:nvPr/>
+        </p:nvPicPr>
+        <p:blipFill>
+          <a:blip r:embed="rId3"/>
+          <a:stretch>
+            <a:fillRect/>
+          </a:stretch>
+        </p:blipFill>
+        <p:spPr>
+          <a:xfrm>
+            <a:off x="3305894" y="1699555"/>
+            <a:ext cx="8374272" cy="1542629"/>
+          </a:xfrm>
+          <a:prstGeom prst="rect">
+            <a:avLst/>
+          </a:prstGeom>
+        </p:spPr>
+      </p:pic>
+    </p:spTree>
+    <p:extLst>
+      <p:ext uri="{BB962C8B-B14F-4D97-AF65-F5344CB8AC3E}">
+        <p14:creationId xmlns:p14="http://schemas.microsoft.com/office/powerpoint/2010/main" val="1380627764"/>
+      </p:ext>
+    </p:extLst>
+  </p:cSld>
+  <p:clrMapOvr>
+    <a:masterClrMapping/>
+  </p:clrMapOvr>
+</p:sld>
+</file>
+
+<file path=ppt/slides/slide22.xml><?xml version="1.0" encoding="utf-8"?>
+<p:sld xmlns:a="http://schemas.openxmlformats.org/drawingml/2006/main" xmlns:r="http://schemas.openxmlformats.org/officeDocument/2006/relationships" xmlns:p="http://schemas.openxmlformats.org/presentationml/2006/main">
+  <p:cSld>
+    <p:spTree>
+      <p:nvGrpSpPr>
+        <p:cNvPr id="1" name=""/>
+        <p:cNvGrpSpPr/>
+        <p:nvPr/>
+      </p:nvGrpSpPr>
+      <p:grpSpPr>
+        <a:xfrm>
+          <a:off x="0" y="0"/>
+          <a:ext cx="0" cy="0"/>
+          <a:chOff x="0" y="0"/>
+          <a:chExt cx="0" cy="0"/>
+        </a:xfrm>
+      </p:grpSpPr>
+      <p:pic>
+        <p:nvPicPr>
+          <p:cNvPr id="2" name="Picture 1"/>
+          <p:cNvPicPr>
+            <a:picLocks noChangeAspect="1"/>
+          </p:cNvPicPr>
+          <p:nvPr/>
+        </p:nvPicPr>
+        <p:blipFill>
+          <a:blip r:embed="rId2"/>
+          <a:stretch>
+            <a:fillRect/>
+          </a:stretch>
+        </p:blipFill>
+        <p:spPr>
+          <a:xfrm>
+            <a:off x="389357" y="3350013"/>
+            <a:ext cx="3132286" cy="2695395"/>
+          </a:xfrm>
+          <a:prstGeom prst="rect">
+            <a:avLst/>
+          </a:prstGeom>
+        </p:spPr>
+      </p:pic>
+      <p:grpSp>
+        <p:nvGrpSpPr>
+          <p:cNvPr id="12" name="Group 11"/>
+          <p:cNvGrpSpPr/>
+          <p:nvPr/>
+        </p:nvGrpSpPr>
+        <p:grpSpPr>
+          <a:xfrm>
+            <a:off x="389357" y="485463"/>
+            <a:ext cx="2398143" cy="1576251"/>
+            <a:chOff x="389357" y="485463"/>
+            <a:chExt cx="2398143" cy="1576251"/>
+          </a:xfrm>
+        </p:grpSpPr>
+        <p:sp>
+          <p:nvSpPr>
+            <p:cNvPr id="6" name="Cloud 5"/>
+            <p:cNvSpPr/>
+            <p:nvPr/>
+          </p:nvSpPr>
+          <p:spPr>
+            <a:xfrm>
+              <a:off x="389357" y="485463"/>
+              <a:ext cx="2398143" cy="1576251"/>
+            </a:xfrm>
+            <a:prstGeom prst="cloud">
+              <a:avLst/>
+            </a:prstGeom>
+          </p:spPr>
+          <p:style>
+            <a:lnRef idx="2">
+              <a:schemeClr val="accent1">
+                <a:shade val="50000"/>
+              </a:schemeClr>
+            </a:lnRef>
+            <a:fillRef idx="1">
+              <a:schemeClr val="accent1"/>
+            </a:fillRef>
+            <a:effectRef idx="0">
+              <a:schemeClr val="accent1"/>
+            </a:effectRef>
+            <a:fontRef idx="minor">
+              <a:schemeClr val="lt1"/>
+            </a:fontRef>
+          </p:style>
+          <p:txBody>
+            <a:bodyPr rtlCol="0" anchor="ctr"/>
+            <a:lstStyle/>
+            <a:p>
+              <a:pPr algn="ctr"/>
+              <a:endParaRPr lang="es-ES"/>
+            </a:p>
+          </p:txBody>
+        </p:sp>
+        <p:sp>
+          <p:nvSpPr>
+            <p:cNvPr id="7" name="TextBox 6"/>
+            <p:cNvSpPr txBox="1"/>
+            <p:nvPr/>
+          </p:nvSpPr>
+          <p:spPr>
+            <a:xfrm>
+              <a:off x="584528" y="836763"/>
+              <a:ext cx="1960264" cy="646331"/>
+            </a:xfrm>
+            <a:prstGeom prst="rect">
+              <a:avLst/>
+            </a:prstGeom>
+            <a:noFill/>
+          </p:spPr>
+          <p:txBody>
+            <a:bodyPr wrap="square" rtlCol="0">
+              <a:spAutoFit/>
+            </a:bodyPr>
+            <a:lstStyle/>
+            <a:p>
+              <a:pPr algn="ctr"/>
+              <a:r>
+                <a:rPr lang="es-ES" b="1" dirty="0" smtClean="0"/>
+                <a:t>Lógica – </a:t>
+              </a:r>
+              <a:r>
+                <a:rPr lang="es-ES" b="1" dirty="0" err="1" smtClean="0"/>
+                <a:t>app.component.ts</a:t>
+              </a:r>
+              <a:endParaRPr lang="es-ES" b="1" dirty="0"/>
+            </a:p>
+          </p:txBody>
+        </p:sp>
+      </p:grpSp>
+      <p:sp>
+        <p:nvSpPr>
+          <p:cNvPr id="9" name="TextBox 8"/>
+          <p:cNvSpPr txBox="1"/>
+          <p:nvPr/>
+        </p:nvSpPr>
+        <p:spPr>
+          <a:xfrm>
+            <a:off x="6007672" y="2942171"/>
+            <a:ext cx="3248471" cy="646331"/>
+          </a:xfrm>
+          <a:prstGeom prst="rect">
+            <a:avLst/>
+          </a:prstGeom>
+          <a:solidFill>
+            <a:schemeClr val="accent1"/>
+          </a:solidFill>
+        </p:spPr>
+        <p:txBody>
+          <a:bodyPr wrap="square" rtlCol="0">
+            <a:spAutoFit/>
+          </a:bodyPr>
+          <a:lstStyle/>
+          <a:p>
+            <a:r>
+              <a:rPr lang="es-ES" dirty="0" smtClean="0"/>
+              <a:t>Reseteamos las variables y se vuelve a comenzar el juego</a:t>
+            </a:r>
+            <a:endParaRPr lang="es-ES" dirty="0"/>
+          </a:p>
+        </p:txBody>
+      </p:sp>
+      <p:pic>
+        <p:nvPicPr>
+          <p:cNvPr id="4" name="Picture 3"/>
+          <p:cNvPicPr>
+            <a:picLocks noChangeAspect="1"/>
+          </p:cNvPicPr>
+          <p:nvPr/>
+        </p:nvPicPr>
+        <p:blipFill>
+          <a:blip r:embed="rId3"/>
+          <a:stretch>
+            <a:fillRect/>
+          </a:stretch>
+        </p:blipFill>
+        <p:spPr>
+          <a:xfrm>
+            <a:off x="3181350" y="836763"/>
+            <a:ext cx="9010650" cy="1819275"/>
+          </a:xfrm>
+          <a:prstGeom prst="rect">
+            <a:avLst/>
+          </a:prstGeom>
+        </p:spPr>
+      </p:pic>
+    </p:spTree>
+    <p:extLst>
+      <p:ext uri="{BB962C8B-B14F-4D97-AF65-F5344CB8AC3E}">
+        <p14:creationId xmlns:p14="http://schemas.microsoft.com/office/powerpoint/2010/main" val="3200445176"/>
       </p:ext>
     </p:extLst>
   </p:cSld>
@@ -5397,56 +7383,30 @@
           <a:chExt cx="0" cy="0"/>
         </a:xfrm>
       </p:grpSpPr>
-      <p:sp>
-        <p:nvSpPr>
-          <p:cNvPr id="2" name="Title 1"/>
-          <p:cNvSpPr>
-            <a:spLocks noGrp="1"/>
-          </p:cNvSpPr>
-          <p:nvPr>
-            <p:ph type="title"/>
-          </p:nvPr>
-        </p:nvSpPr>
-        <p:spPr/>
-        <p:txBody>
-          <a:bodyPr/>
-          <a:lstStyle/>
-          <a:p>
-            <a:endParaRPr lang="es-ES"/>
-          </a:p>
-        </p:txBody>
-      </p:sp>
-      <p:sp>
-        <p:nvSpPr>
-          <p:cNvPr id="3" name="Picture Placeholder 2"/>
-          <p:cNvSpPr>
-            <a:spLocks noGrp="1"/>
-          </p:cNvSpPr>
-          <p:nvPr>
-            <p:ph type="pic" idx="1"/>
-          </p:nvPr>
-        </p:nvSpPr>
-        <p:spPr/>
-      </p:sp>
-      <p:sp>
-        <p:nvSpPr>
-          <p:cNvPr id="4" name="Text Placeholder 3"/>
-          <p:cNvSpPr>
-            <a:spLocks noGrp="1"/>
-          </p:cNvSpPr>
-          <p:nvPr>
-            <p:ph type="body" sz="half" idx="2"/>
-          </p:nvPr>
-        </p:nvSpPr>
-        <p:spPr/>
-        <p:txBody>
-          <a:bodyPr/>
-          <a:lstStyle/>
-          <a:p>
-            <a:endParaRPr lang="es-ES"/>
-          </a:p>
-        </p:txBody>
-      </p:sp>
+      <p:pic>
+        <p:nvPicPr>
+          <p:cNvPr id="8" name="Picture 7"/>
+          <p:cNvPicPr>
+            <a:picLocks noChangeAspect="1"/>
+          </p:cNvPicPr>
+          <p:nvPr/>
+        </p:nvPicPr>
+        <p:blipFill>
+          <a:blip r:embed="rId2"/>
+          <a:stretch>
+            <a:fillRect/>
+          </a:stretch>
+        </p:blipFill>
+        <p:spPr>
+          <a:xfrm>
+            <a:off x="612476" y="518751"/>
+            <a:ext cx="11305470" cy="4821000"/>
+          </a:xfrm>
+          <a:prstGeom prst="rect">
+            <a:avLst/>
+          </a:prstGeom>
+        </p:spPr>
+      </p:pic>
     </p:spTree>
     <p:extLst>
       <p:ext uri="{BB962C8B-B14F-4D97-AF65-F5344CB8AC3E}">
@@ -5477,6 +7437,125 @@
           <a:chExt cx="0" cy="0"/>
         </a:xfrm>
       </p:grpSpPr>
+      <p:pic>
+        <p:nvPicPr>
+          <p:cNvPr id="2" name="Picture 1"/>
+          <p:cNvPicPr>
+            <a:picLocks noChangeAspect="1"/>
+          </p:cNvPicPr>
+          <p:nvPr/>
+        </p:nvPicPr>
+        <p:blipFill>
+          <a:blip r:embed="rId2"/>
+          <a:stretch>
+            <a:fillRect/>
+          </a:stretch>
+        </p:blipFill>
+        <p:spPr>
+          <a:xfrm>
+            <a:off x="754003" y="2287337"/>
+            <a:ext cx="3757612" cy="3112713"/>
+          </a:xfrm>
+          <a:prstGeom prst="rect">
+            <a:avLst/>
+          </a:prstGeom>
+        </p:spPr>
+      </p:pic>
+      <p:pic>
+        <p:nvPicPr>
+          <p:cNvPr id="3" name="Picture 2"/>
+          <p:cNvPicPr>
+            <a:picLocks noChangeAspect="1"/>
+          </p:cNvPicPr>
+          <p:nvPr/>
+        </p:nvPicPr>
+        <p:blipFill>
+          <a:blip r:embed="rId3"/>
+          <a:stretch>
+            <a:fillRect/>
+          </a:stretch>
+        </p:blipFill>
+        <p:spPr>
+          <a:xfrm>
+            <a:off x="4977440" y="2844926"/>
+            <a:ext cx="6842749" cy="1614930"/>
+          </a:xfrm>
+          <a:prstGeom prst="rect">
+            <a:avLst/>
+          </a:prstGeom>
+        </p:spPr>
+      </p:pic>
+      <p:sp>
+        <p:nvSpPr>
+          <p:cNvPr id="4" name="Cloud 3"/>
+          <p:cNvSpPr/>
+          <p:nvPr/>
+        </p:nvSpPr>
+        <p:spPr>
+          <a:xfrm>
+            <a:off x="389357" y="485463"/>
+            <a:ext cx="2398143" cy="1576251"/>
+          </a:xfrm>
+          <a:prstGeom prst="cloud">
+            <a:avLst/>
+          </a:prstGeom>
+        </p:spPr>
+        <p:style>
+          <a:lnRef idx="2">
+            <a:schemeClr val="accent1">
+              <a:shade val="50000"/>
+            </a:schemeClr>
+          </a:lnRef>
+          <a:fillRef idx="1">
+            <a:schemeClr val="accent1"/>
+          </a:fillRef>
+          <a:effectRef idx="0">
+            <a:schemeClr val="accent1"/>
+          </a:effectRef>
+          <a:fontRef idx="minor">
+            <a:schemeClr val="lt1"/>
+          </a:fontRef>
+        </p:style>
+        <p:txBody>
+          <a:bodyPr rtlCol="0" anchor="ctr"/>
+          <a:lstStyle/>
+          <a:p>
+            <a:pPr algn="ctr"/>
+            <a:endParaRPr lang="es-ES"/>
+          </a:p>
+        </p:txBody>
+      </p:sp>
+      <p:sp>
+        <p:nvSpPr>
+          <p:cNvPr id="5" name="TextBox 4"/>
+          <p:cNvSpPr txBox="1"/>
+          <p:nvPr/>
+        </p:nvSpPr>
+        <p:spPr>
+          <a:xfrm>
+            <a:off x="477374" y="793631"/>
+            <a:ext cx="2155435" cy="646331"/>
+          </a:xfrm>
+          <a:prstGeom prst="rect">
+            <a:avLst/>
+          </a:prstGeom>
+          <a:noFill/>
+        </p:spPr>
+        <p:txBody>
+          <a:bodyPr wrap="square" rtlCol="0">
+            <a:spAutoFit/>
+          </a:bodyPr>
+          <a:lstStyle/>
+          <a:p>
+            <a:pPr algn="ctr"/>
+            <a:r>
+              <a:rPr lang="es-ES" b="1" dirty="0" smtClean="0"/>
+              <a:t>Vista – app.component.html</a:t>
+            </a:r>
+            <a:endParaRPr lang="es-ES" b="1" dirty="0"/>
+          </a:p>
+        </p:txBody>
+      </p:sp>
     </p:spTree>
     <p:extLst>
       <p:ext uri="{BB962C8B-B14F-4D97-AF65-F5344CB8AC3E}">
@@ -5507,52 +7586,304 @@
           <a:chExt cx="0" cy="0"/>
         </a:xfrm>
       </p:grpSpPr>
-      <p:sp>
-        <p:nvSpPr>
-          <p:cNvPr id="3" name="Text Placeholder 2"/>
-          <p:cNvSpPr>
-            <a:spLocks noGrp="1"/>
-          </p:cNvSpPr>
-          <p:nvPr>
-            <p:ph type="body" idx="1"/>
-          </p:nvPr>
-        </p:nvSpPr>
-        <p:spPr/>
-        <p:txBody>
-          <a:bodyPr/>
+      <p:pic>
+        <p:nvPicPr>
+          <p:cNvPr id="2" name="Picture 1"/>
+          <p:cNvPicPr>
+            <a:picLocks noChangeAspect="1"/>
+          </p:cNvPicPr>
+          <p:nvPr/>
+        </p:nvPicPr>
+        <p:blipFill>
+          <a:blip r:embed="rId2"/>
+          <a:stretch>
+            <a:fillRect/>
+          </a:stretch>
+        </p:blipFill>
+        <p:spPr>
+          <a:xfrm>
+            <a:off x="389357" y="3350013"/>
+            <a:ext cx="3132286" cy="2695395"/>
+          </a:xfrm>
+          <a:prstGeom prst="rect">
+            <a:avLst/>
+          </a:prstGeom>
+        </p:spPr>
+      </p:pic>
+      <p:pic>
+        <p:nvPicPr>
+          <p:cNvPr id="4" name="Picture 3"/>
+          <p:cNvPicPr>
+            <a:picLocks noChangeAspect="1"/>
+          </p:cNvPicPr>
+          <p:nvPr/>
+        </p:nvPicPr>
+        <p:blipFill>
+          <a:blip r:embed="rId3"/>
+          <a:stretch>
+            <a:fillRect/>
+          </a:stretch>
+        </p:blipFill>
+        <p:spPr>
+          <a:xfrm>
+            <a:off x="3838845" y="1035168"/>
+            <a:ext cx="6392665" cy="3662542"/>
+          </a:xfrm>
+          <a:prstGeom prst="rect">
+            <a:avLst/>
+          </a:prstGeom>
+        </p:spPr>
+      </p:pic>
+      <p:pic>
+        <p:nvPicPr>
+          <p:cNvPr id="5" name="Picture 4"/>
+          <p:cNvPicPr>
+            <a:picLocks noChangeAspect="1"/>
+          </p:cNvPicPr>
+          <p:nvPr/>
+        </p:nvPicPr>
+        <p:blipFill>
+          <a:blip r:embed="rId4"/>
+          <a:stretch>
+            <a:fillRect/>
+          </a:stretch>
+        </p:blipFill>
+        <p:spPr>
+          <a:xfrm>
+            <a:off x="3838845" y="5011947"/>
+            <a:ext cx="7748749" cy="1179482"/>
+          </a:xfrm>
+          <a:prstGeom prst="rect">
+            <a:avLst/>
+          </a:prstGeom>
+        </p:spPr>
+      </p:pic>
+      <p:grpSp>
+        <p:nvGrpSpPr>
+          <p:cNvPr id="12" name="Group 11"/>
+          <p:cNvGrpSpPr/>
+          <p:nvPr/>
+        </p:nvGrpSpPr>
+        <p:grpSpPr>
+          <a:xfrm>
+            <a:off x="389357" y="485463"/>
+            <a:ext cx="2398143" cy="1576251"/>
+            <a:chOff x="389357" y="485463"/>
+            <a:chExt cx="2398143" cy="1576251"/>
+          </a:xfrm>
+        </p:grpSpPr>
+        <p:sp>
+          <p:nvSpPr>
+            <p:cNvPr id="6" name="Cloud 5"/>
+            <p:cNvSpPr/>
+            <p:nvPr/>
+          </p:nvSpPr>
+          <p:spPr>
+            <a:xfrm>
+              <a:off x="389357" y="485463"/>
+              <a:ext cx="2398143" cy="1576251"/>
+            </a:xfrm>
+            <a:prstGeom prst="cloud">
+              <a:avLst/>
+            </a:prstGeom>
+          </p:spPr>
+          <p:style>
+            <a:lnRef idx="2">
+              <a:schemeClr val="accent1">
+                <a:shade val="50000"/>
+              </a:schemeClr>
+            </a:lnRef>
+            <a:fillRef idx="1">
+              <a:schemeClr val="accent1"/>
+            </a:fillRef>
+            <a:effectRef idx="0">
+              <a:schemeClr val="accent1"/>
+            </a:effectRef>
+            <a:fontRef idx="minor">
+              <a:schemeClr val="lt1"/>
+            </a:fontRef>
+          </p:style>
+          <p:txBody>
+            <a:bodyPr rtlCol="0" anchor="ctr"/>
+            <a:lstStyle/>
+            <a:p>
+              <a:pPr algn="ctr"/>
+              <a:endParaRPr lang="es-ES"/>
+            </a:p>
+          </p:txBody>
+        </p:sp>
+        <p:sp>
+          <p:nvSpPr>
+            <p:cNvPr id="7" name="TextBox 6"/>
+            <p:cNvSpPr txBox="1"/>
+            <p:nvPr/>
+          </p:nvSpPr>
+          <p:spPr>
+            <a:xfrm>
+              <a:off x="584528" y="836763"/>
+              <a:ext cx="1960264" cy="646331"/>
+            </a:xfrm>
+            <a:prstGeom prst="rect">
+              <a:avLst/>
+            </a:prstGeom>
+            <a:noFill/>
+          </p:spPr>
+          <p:txBody>
+            <a:bodyPr wrap="square" rtlCol="0">
+              <a:spAutoFit/>
+            </a:bodyPr>
+            <a:lstStyle/>
+            <a:p>
+              <a:pPr algn="ctr"/>
+              <a:r>
+                <a:rPr lang="es-ES" b="1" dirty="0" smtClean="0"/>
+                <a:t>Lógica – </a:t>
+              </a:r>
+              <a:r>
+                <a:rPr lang="es-ES" b="1" dirty="0" err="1" smtClean="0"/>
+                <a:t>app.component.ts</a:t>
+              </a:r>
+              <a:endParaRPr lang="es-ES" b="1" dirty="0"/>
+            </a:p>
+          </p:txBody>
+        </p:sp>
+      </p:grpSp>
+      <p:sp>
+        <p:nvSpPr>
+          <p:cNvPr id="8" name="TextBox 7"/>
+          <p:cNvSpPr txBox="1"/>
+          <p:nvPr/>
+        </p:nvSpPr>
+        <p:spPr>
+          <a:xfrm>
+            <a:off x="9057737" y="351599"/>
+            <a:ext cx="3036497" cy="369332"/>
+          </a:xfrm>
+          <a:prstGeom prst="rect">
+            <a:avLst/>
+          </a:prstGeom>
+          <a:solidFill>
+            <a:schemeClr val="accent1"/>
+          </a:solidFill>
+        </p:spPr>
+        <p:txBody>
+          <a:bodyPr wrap="square" rtlCol="0">
+            <a:spAutoFit/>
+          </a:bodyPr>
           <a:lstStyle/>
           <a:p>
+            <a:r>
+              <a:rPr lang="es-ES" dirty="0" smtClean="0"/>
+              <a:t>Tenemos los </a:t>
+            </a:r>
+            <a:r>
+              <a:rPr lang="es-ES" dirty="0" err="1" smtClean="0"/>
+              <a:t>imports</a:t>
+            </a:r>
+            <a:r>
+              <a:rPr lang="es-ES" dirty="0" smtClean="0"/>
+              <a:t> necesarios </a:t>
+            </a:r>
             <a:endParaRPr lang="es-ES" dirty="0"/>
           </a:p>
         </p:txBody>
       </p:sp>
       <p:sp>
         <p:nvSpPr>
-          <p:cNvPr id="4" name="Title 1"/>
-          <p:cNvSpPr>
-            <a:spLocks noGrp="1"/>
-          </p:cNvSpPr>
-          <p:nvPr>
-            <p:ph type="title"/>
-          </p:nvPr>
-        </p:nvSpPr>
-        <p:spPr/>
-        <p:txBody>
-          <a:bodyPr/>
+          <p:cNvPr id="9" name="TextBox 8"/>
+          <p:cNvSpPr txBox="1"/>
+          <p:nvPr/>
+        </p:nvSpPr>
+        <p:spPr>
+          <a:xfrm>
+            <a:off x="7035177" y="2866439"/>
+            <a:ext cx="3036497" cy="369332"/>
+          </a:xfrm>
+          <a:prstGeom prst="rect">
+            <a:avLst/>
+          </a:prstGeom>
+          <a:solidFill>
+            <a:schemeClr val="accent1"/>
+          </a:solidFill>
+        </p:spPr>
+        <p:txBody>
+          <a:bodyPr wrap="square" rtlCol="0">
+            <a:spAutoFit/>
+          </a:bodyPr>
           <a:lstStyle/>
           <a:p>
             <a:r>
               <a:rPr lang="es-ES" dirty="0" smtClean="0"/>
-              <a:t>Pantalla juego</a:t>
+              <a:t>Declaramos los atributos</a:t>
             </a:r>
             <a:endParaRPr lang="es-ES" dirty="0"/>
           </a:p>
         </p:txBody>
       </p:sp>
+      <p:sp>
+        <p:nvSpPr>
+          <p:cNvPr id="10" name="TextBox 9"/>
+          <p:cNvSpPr txBox="1"/>
+          <p:nvPr/>
+        </p:nvSpPr>
+        <p:spPr>
+          <a:xfrm>
+            <a:off x="8988725" y="4976638"/>
+            <a:ext cx="3036497" cy="923330"/>
+          </a:xfrm>
+          <a:prstGeom prst="rect">
+            <a:avLst/>
+          </a:prstGeom>
+          <a:solidFill>
+            <a:schemeClr val="accent1"/>
+          </a:solidFill>
+        </p:spPr>
+        <p:txBody>
+          <a:bodyPr wrap="square" rtlCol="0">
+            <a:spAutoFit/>
+          </a:bodyPr>
+          <a:lstStyle/>
+          <a:p>
+            <a:r>
+              <a:rPr lang="es-ES" dirty="0" smtClean="0"/>
+              <a:t>Inicializamos con el mensaje y el div a mostrar y además inicializamos el </a:t>
+            </a:r>
+            <a:r>
+              <a:rPr lang="es-ES" dirty="0" err="1" smtClean="0"/>
+              <a:t>Service</a:t>
+            </a:r>
+            <a:endParaRPr lang="es-ES" dirty="0"/>
+          </a:p>
+        </p:txBody>
+      </p:sp>
+      <p:pic>
+        <p:nvPicPr>
+          <p:cNvPr id="11" name="Picture 10"/>
+          <p:cNvPicPr>
+            <a:picLocks noChangeAspect="1"/>
+          </p:cNvPicPr>
+          <p:nvPr/>
+        </p:nvPicPr>
+        <p:blipFill>
+          <a:blip r:embed="rId5"/>
+          <a:stretch>
+            <a:fillRect/>
+          </a:stretch>
+        </p:blipFill>
+        <p:spPr>
+          <a:xfrm>
+            <a:off x="3770103" y="175522"/>
+            <a:ext cx="5247824" cy="652614"/>
+          </a:xfrm>
+          <a:prstGeom prst="rect">
+            <a:avLst/>
+          </a:prstGeom>
+        </p:spPr>
+      </p:pic>
     </p:spTree>
     <p:extLst>
       <p:ext uri="{BB962C8B-B14F-4D97-AF65-F5344CB8AC3E}">
-        <p14:creationId xmlns:p14="http://schemas.microsoft.com/office/powerpoint/2010/main" val="203318373"/>
+        <p14:creationId xmlns:p14="http://schemas.microsoft.com/office/powerpoint/2010/main" val="135794261"/>
       </p:ext>
     </p:extLst>
   </p:cSld>
@@ -5579,60 +7910,276 @@
           <a:chExt cx="0" cy="0"/>
         </a:xfrm>
       </p:grpSpPr>
-      <p:sp>
-        <p:nvSpPr>
-          <p:cNvPr id="2" name="Title 1"/>
-          <p:cNvSpPr>
-            <a:spLocks noGrp="1"/>
-          </p:cNvSpPr>
-          <p:nvPr>
-            <p:ph type="title"/>
-          </p:nvPr>
-        </p:nvSpPr>
-        <p:spPr/>
-        <p:txBody>
-          <a:bodyPr/>
+      <p:pic>
+        <p:nvPicPr>
+          <p:cNvPr id="2" name="Picture 1"/>
+          <p:cNvPicPr>
+            <a:picLocks noChangeAspect="1"/>
+          </p:cNvPicPr>
+          <p:nvPr/>
+        </p:nvPicPr>
+        <p:blipFill>
+          <a:blip r:embed="rId2"/>
+          <a:stretch>
+            <a:fillRect/>
+          </a:stretch>
+        </p:blipFill>
+        <p:spPr>
+          <a:xfrm>
+            <a:off x="4761780" y="126339"/>
+            <a:ext cx="3459192" cy="3231690"/>
+          </a:xfrm>
+          <a:prstGeom prst="rect">
+            <a:avLst/>
+          </a:prstGeom>
+        </p:spPr>
+      </p:pic>
+      <p:sp>
+        <p:nvSpPr>
+          <p:cNvPr id="3" name="TextBox 2"/>
+          <p:cNvSpPr txBox="1"/>
+          <p:nvPr/>
+        </p:nvSpPr>
+        <p:spPr>
+          <a:xfrm>
+            <a:off x="8488393" y="663665"/>
+            <a:ext cx="3036497" cy="646331"/>
+          </a:xfrm>
+          <a:prstGeom prst="rect">
+            <a:avLst/>
+          </a:prstGeom>
+          <a:solidFill>
+            <a:schemeClr val="accent1"/>
+          </a:solidFill>
+        </p:spPr>
+        <p:txBody>
+          <a:bodyPr wrap="square" rtlCol="0">
+            <a:spAutoFit/>
+          </a:bodyPr>
           <a:lstStyle/>
           <a:p>
-            <a:endParaRPr lang="es-ES"/>
-          </a:p>
-        </p:txBody>
-      </p:sp>
-      <p:sp>
-        <p:nvSpPr>
-          <p:cNvPr id="3" name="Picture Placeholder 2"/>
-          <p:cNvSpPr>
-            <a:spLocks noGrp="1"/>
-          </p:cNvSpPr>
-          <p:nvPr>
-            <p:ph type="pic" idx="1"/>
-          </p:nvPr>
-        </p:nvSpPr>
-        <p:spPr/>
-      </p:sp>
-      <p:sp>
-        <p:nvSpPr>
-          <p:cNvPr id="4" name="Text Placeholder 3"/>
-          <p:cNvSpPr>
-            <a:spLocks noGrp="1"/>
-          </p:cNvSpPr>
-          <p:nvPr>
-            <p:ph type="body" sz="half" idx="2"/>
-          </p:nvPr>
-        </p:nvSpPr>
-        <p:spPr/>
-        <p:txBody>
-          <a:bodyPr/>
+            <a:r>
+              <a:rPr lang="es-ES" dirty="0" smtClean="0"/>
+              <a:t>En este método centralizo la lógica de mostrar un div u otro</a:t>
+            </a:r>
+            <a:endParaRPr lang="es-ES" dirty="0"/>
+          </a:p>
+        </p:txBody>
+      </p:sp>
+      <p:pic>
+        <p:nvPicPr>
+          <p:cNvPr id="4" name="Picture 3"/>
+          <p:cNvPicPr>
+            <a:picLocks noChangeAspect="1"/>
+          </p:cNvPicPr>
+          <p:nvPr/>
+        </p:nvPicPr>
+        <p:blipFill>
+          <a:blip r:embed="rId3"/>
+          <a:stretch>
+            <a:fillRect/>
+          </a:stretch>
+        </p:blipFill>
+        <p:spPr>
+          <a:xfrm>
+            <a:off x="4761780" y="3358029"/>
+            <a:ext cx="7038647" cy="3051398"/>
+          </a:xfrm>
+          <a:prstGeom prst="rect">
+            <a:avLst/>
+          </a:prstGeom>
+        </p:spPr>
+      </p:pic>
+      <p:sp>
+        <p:nvSpPr>
+          <p:cNvPr id="5" name="TextBox 4"/>
+          <p:cNvSpPr txBox="1"/>
+          <p:nvPr/>
+        </p:nvSpPr>
+        <p:spPr>
+          <a:xfrm>
+            <a:off x="9010000" y="3800424"/>
+            <a:ext cx="3036497" cy="646331"/>
+          </a:xfrm>
+          <a:prstGeom prst="rect">
+            <a:avLst/>
+          </a:prstGeom>
+          <a:solidFill>
+            <a:schemeClr val="accent1"/>
+          </a:solidFill>
+        </p:spPr>
+        <p:txBody>
+          <a:bodyPr wrap="square" rtlCol="0">
+            <a:spAutoFit/>
+          </a:bodyPr>
           <a:lstStyle/>
           <a:p>
-            <a:endParaRPr lang="es-ES"/>
-          </a:p>
-        </p:txBody>
-      </p:sp>
+            <a:r>
+              <a:rPr lang="es-ES" dirty="0" smtClean="0"/>
+              <a:t>En este método centralizo la lógica de mostrar un div u otro</a:t>
+            </a:r>
+            <a:endParaRPr lang="es-ES" dirty="0"/>
+          </a:p>
+        </p:txBody>
+      </p:sp>
+      <p:sp>
+        <p:nvSpPr>
+          <p:cNvPr id="6" name="TextBox 5"/>
+          <p:cNvSpPr txBox="1"/>
+          <p:nvPr/>
+        </p:nvSpPr>
+        <p:spPr>
+          <a:xfrm>
+            <a:off x="9294673" y="5555411"/>
+            <a:ext cx="2661538" cy="1200329"/>
+          </a:xfrm>
+          <a:prstGeom prst="rect">
+            <a:avLst/>
+          </a:prstGeom>
+          <a:solidFill>
+            <a:schemeClr val="accent1"/>
+          </a:solidFill>
+        </p:spPr>
+        <p:txBody>
+          <a:bodyPr wrap="square" rtlCol="0">
+            <a:spAutoFit/>
+          </a:bodyPr>
+          <a:lstStyle/>
+          <a:p>
+            <a:r>
+              <a:rPr lang="es-ES" dirty="0" smtClean="0"/>
+              <a:t>Seleccionamos preguntas </a:t>
+            </a:r>
+            <a:r>
+              <a:rPr lang="es-ES" dirty="0" err="1" smtClean="0"/>
+              <a:t>random</a:t>
+            </a:r>
+            <a:r>
+              <a:rPr lang="es-ES" dirty="0" smtClean="0"/>
+              <a:t> y cargamos los datos para la siguiente pantalla</a:t>
+            </a:r>
+            <a:endParaRPr lang="es-ES" dirty="0"/>
+          </a:p>
+        </p:txBody>
+      </p:sp>
+      <p:grpSp>
+        <p:nvGrpSpPr>
+          <p:cNvPr id="7" name="Group 6"/>
+          <p:cNvGrpSpPr/>
+          <p:nvPr/>
+        </p:nvGrpSpPr>
+        <p:grpSpPr>
+          <a:xfrm>
+            <a:off x="389357" y="485463"/>
+            <a:ext cx="2398143" cy="1576251"/>
+            <a:chOff x="389357" y="485463"/>
+            <a:chExt cx="2398143" cy="1576251"/>
+          </a:xfrm>
+        </p:grpSpPr>
+        <p:sp>
+          <p:nvSpPr>
+            <p:cNvPr id="8" name="Cloud 7"/>
+            <p:cNvSpPr/>
+            <p:nvPr/>
+          </p:nvSpPr>
+          <p:spPr>
+            <a:xfrm>
+              <a:off x="389357" y="485463"/>
+              <a:ext cx="2398143" cy="1576251"/>
+            </a:xfrm>
+            <a:prstGeom prst="cloud">
+              <a:avLst/>
+            </a:prstGeom>
+          </p:spPr>
+          <p:style>
+            <a:lnRef idx="2">
+              <a:schemeClr val="accent1">
+                <a:shade val="50000"/>
+              </a:schemeClr>
+            </a:lnRef>
+            <a:fillRef idx="1">
+              <a:schemeClr val="accent1"/>
+            </a:fillRef>
+            <a:effectRef idx="0">
+              <a:schemeClr val="accent1"/>
+            </a:effectRef>
+            <a:fontRef idx="minor">
+              <a:schemeClr val="lt1"/>
+            </a:fontRef>
+          </p:style>
+          <p:txBody>
+            <a:bodyPr rtlCol="0" anchor="ctr"/>
+            <a:lstStyle/>
+            <a:p>
+              <a:pPr algn="ctr"/>
+              <a:endParaRPr lang="es-ES"/>
+            </a:p>
+          </p:txBody>
+        </p:sp>
+        <p:sp>
+          <p:nvSpPr>
+            <p:cNvPr id="9" name="TextBox 8"/>
+            <p:cNvSpPr txBox="1"/>
+            <p:nvPr/>
+          </p:nvSpPr>
+          <p:spPr>
+            <a:xfrm>
+              <a:off x="584528" y="836763"/>
+              <a:ext cx="1960264" cy="646331"/>
+            </a:xfrm>
+            <a:prstGeom prst="rect">
+              <a:avLst/>
+            </a:prstGeom>
+            <a:noFill/>
+          </p:spPr>
+          <p:txBody>
+            <a:bodyPr wrap="square" rtlCol="0">
+              <a:spAutoFit/>
+            </a:bodyPr>
+            <a:lstStyle/>
+            <a:p>
+              <a:pPr algn="ctr"/>
+              <a:r>
+                <a:rPr lang="es-ES" b="1" dirty="0" smtClean="0"/>
+                <a:t>Lógica – </a:t>
+              </a:r>
+              <a:r>
+                <a:rPr lang="es-ES" b="1" dirty="0" err="1" smtClean="0"/>
+                <a:t>app.component.ts</a:t>
+              </a:r>
+              <a:endParaRPr lang="es-ES" b="1" dirty="0"/>
+            </a:p>
+          </p:txBody>
+        </p:sp>
+      </p:grpSp>
+      <p:pic>
+        <p:nvPicPr>
+          <p:cNvPr id="10" name="Picture 9"/>
+          <p:cNvPicPr>
+            <a:picLocks noChangeAspect="1"/>
+          </p:cNvPicPr>
+          <p:nvPr/>
+        </p:nvPicPr>
+        <p:blipFill>
+          <a:blip r:embed="rId4"/>
+          <a:stretch>
+            <a:fillRect/>
+          </a:stretch>
+        </p:blipFill>
+        <p:spPr>
+          <a:xfrm>
+            <a:off x="389357" y="3350013"/>
+            <a:ext cx="3132286" cy="2695395"/>
+          </a:xfrm>
+          <a:prstGeom prst="rect">
+            <a:avLst/>
+          </a:prstGeom>
+        </p:spPr>
+      </p:pic>
     </p:spTree>
     <p:extLst>
       <p:ext uri="{BB962C8B-B14F-4D97-AF65-F5344CB8AC3E}">
-        <p14:creationId xmlns:p14="http://schemas.microsoft.com/office/powerpoint/2010/main" val="2219239325"/>
+        <p14:creationId xmlns:p14="http://schemas.microsoft.com/office/powerpoint/2010/main" val="3733196305"/>
       </p:ext>
     </p:extLst>
   </p:cSld>
